--- a/observerbarhet.pptx
+++ b/observerbarhet.pptx
@@ -268,7 +268,7 @@
           <a:p>
             <a:fld id="{DC6E42A9-651D-3540-8CB9-D3AF2DFD9605}" type="datetimeFigureOut">
               <a:rPr lang="nb-NO" smtClean="0"/>
-              <a:t>08.11.2023</a:t>
+              <a:t>09.11.2023</a:t>
             </a:fld>
             <a:endParaRPr lang="nb-NO"/>
           </a:p>
@@ -468,7 +468,7 @@
           <a:p>
             <a:fld id="{DC6E42A9-651D-3540-8CB9-D3AF2DFD9605}" type="datetimeFigureOut">
               <a:rPr lang="nb-NO" smtClean="0"/>
-              <a:t>08.11.2023</a:t>
+              <a:t>09.11.2023</a:t>
             </a:fld>
             <a:endParaRPr lang="nb-NO"/>
           </a:p>
@@ -678,7 +678,7 @@
           <a:p>
             <a:fld id="{DC6E42A9-651D-3540-8CB9-D3AF2DFD9605}" type="datetimeFigureOut">
               <a:rPr lang="nb-NO" smtClean="0"/>
-              <a:t>08.11.2023</a:t>
+              <a:t>09.11.2023</a:t>
             </a:fld>
             <a:endParaRPr lang="nb-NO"/>
           </a:p>
@@ -878,7 +878,7 @@
           <a:p>
             <a:fld id="{DC6E42A9-651D-3540-8CB9-D3AF2DFD9605}" type="datetimeFigureOut">
               <a:rPr lang="nb-NO" smtClean="0"/>
-              <a:t>08.11.2023</a:t>
+              <a:t>09.11.2023</a:t>
             </a:fld>
             <a:endParaRPr lang="nb-NO"/>
           </a:p>
@@ -1154,7 +1154,7 @@
           <a:p>
             <a:fld id="{DC6E42A9-651D-3540-8CB9-D3AF2DFD9605}" type="datetimeFigureOut">
               <a:rPr lang="nb-NO" smtClean="0"/>
-              <a:t>08.11.2023</a:t>
+              <a:t>09.11.2023</a:t>
             </a:fld>
             <a:endParaRPr lang="nb-NO"/>
           </a:p>
@@ -1422,7 +1422,7 @@
           <a:p>
             <a:fld id="{DC6E42A9-651D-3540-8CB9-D3AF2DFD9605}" type="datetimeFigureOut">
               <a:rPr lang="nb-NO" smtClean="0"/>
-              <a:t>08.11.2023</a:t>
+              <a:t>09.11.2023</a:t>
             </a:fld>
             <a:endParaRPr lang="nb-NO"/>
           </a:p>
@@ -1837,7 +1837,7 @@
           <a:p>
             <a:fld id="{DC6E42A9-651D-3540-8CB9-D3AF2DFD9605}" type="datetimeFigureOut">
               <a:rPr lang="nb-NO" smtClean="0"/>
-              <a:t>08.11.2023</a:t>
+              <a:t>09.11.2023</a:t>
             </a:fld>
             <a:endParaRPr lang="nb-NO"/>
           </a:p>
@@ -1979,7 +1979,7 @@
           <a:p>
             <a:fld id="{DC6E42A9-651D-3540-8CB9-D3AF2DFD9605}" type="datetimeFigureOut">
               <a:rPr lang="nb-NO" smtClean="0"/>
-              <a:t>08.11.2023</a:t>
+              <a:t>09.11.2023</a:t>
             </a:fld>
             <a:endParaRPr lang="nb-NO"/>
           </a:p>
@@ -2092,7 +2092,7 @@
           <a:p>
             <a:fld id="{DC6E42A9-651D-3540-8CB9-D3AF2DFD9605}" type="datetimeFigureOut">
               <a:rPr lang="nb-NO" smtClean="0"/>
-              <a:t>08.11.2023</a:t>
+              <a:t>09.11.2023</a:t>
             </a:fld>
             <a:endParaRPr lang="nb-NO"/>
           </a:p>
@@ -2405,7 +2405,7 @@
           <a:p>
             <a:fld id="{DC6E42A9-651D-3540-8CB9-D3AF2DFD9605}" type="datetimeFigureOut">
               <a:rPr lang="nb-NO" smtClean="0"/>
-              <a:t>08.11.2023</a:t>
+              <a:t>09.11.2023</a:t>
             </a:fld>
             <a:endParaRPr lang="nb-NO"/>
           </a:p>
@@ -2694,7 +2694,7 @@
           <a:p>
             <a:fld id="{DC6E42A9-651D-3540-8CB9-D3AF2DFD9605}" type="datetimeFigureOut">
               <a:rPr lang="nb-NO" smtClean="0"/>
-              <a:t>08.11.2023</a:t>
+              <a:t>09.11.2023</a:t>
             </a:fld>
             <a:endParaRPr lang="nb-NO"/>
           </a:p>
@@ -2937,7 +2937,7 @@
           <a:p>
             <a:fld id="{DC6E42A9-651D-3540-8CB9-D3AF2DFD9605}" type="datetimeFigureOut">
               <a:rPr lang="nb-NO" smtClean="0"/>
-              <a:t>08.11.2023</a:t>
+              <a:t>09.11.2023</a:t>
             </a:fld>
             <a:endParaRPr lang="nb-NO"/>
           </a:p>
@@ -3875,7 +3875,9 @@
         </p:nvSpPr>
         <p:spPr/>
         <p:txBody>
-          <a:bodyPr/>
+          <a:bodyPr>
+            <a:normAutofit lnSpcReduction="10000"/>
+          </a:bodyPr>
           <a:lstStyle/>
           <a:p>
             <a:r>
@@ -3902,26 +3904,27 @@
                 <a:effectLst/>
                 <a:latin typeface="SFMono-Regular"/>
               </a:rPr>
-              <a:t> er en fabrikk som lager </a:t>
-            </a:r>
-            <a:r>
-              <a:rPr lang="nb-NO" dirty="0">
-                <a:solidFill>
-                  <a:srgbClr val="212529"/>
-                </a:solidFill>
-                <a:latin typeface="SFMono-Regular"/>
-              </a:rPr>
-              <a:t>t</a:t>
-            </a:r>
-            <a:r>
-              <a:rPr lang="nb-NO" b="0" i="0" dirty="0">
+              <a:t> =&gt; Tracer (.NET: </a:t>
+            </a:r>
+            <a:r>
+              <a:rPr lang="nb-NO" b="0" i="0" dirty="0" err="1">
                 <a:solidFill>
                   <a:srgbClr val="212529"/>
                 </a:solidFill>
                 <a:effectLst/>
                 <a:latin typeface="SFMono-Regular"/>
               </a:rPr>
-              <a:t>races</a:t>
+              <a:t>ActivitySource</a:t>
+            </a:r>
+            <a:r>
+              <a:rPr lang="nb-NO" b="0" i="0" dirty="0">
+                <a:solidFill>
+                  <a:srgbClr val="212529"/>
+                </a:solidFill>
+                <a:effectLst/>
+                <a:latin typeface="SFMono-Regular"/>
+              </a:rPr>
+              <a:t>) =&gt; Trace/Span (.NET: Activity)</a:t>
             </a:r>
           </a:p>
           <a:p>

--- a/observerbarhet.pptx
+++ b/observerbarhet.pptx
@@ -4,15 +4,16 @@
   <p:sldMasterIdLst>
     <p:sldMasterId id="2147483648" r:id="rId1"/>
   </p:sldMasterIdLst>
+  <p:notesMasterIdLst>
+    <p:notesMasterId r:id="rId8"/>
+  </p:notesMasterIdLst>
   <p:sldIdLst>
     <p:sldId id="256" r:id="rId2"/>
     <p:sldId id="262" r:id="rId3"/>
     <p:sldId id="263" r:id="rId4"/>
-    <p:sldId id="258" r:id="rId5"/>
-    <p:sldId id="259" r:id="rId6"/>
-    <p:sldId id="260" r:id="rId7"/>
-    <p:sldId id="261" r:id="rId8"/>
-    <p:sldId id="257" r:id="rId9"/>
+    <p:sldId id="264" r:id="rId5"/>
+    <p:sldId id="258" r:id="rId6"/>
+    <p:sldId id="257" r:id="rId7"/>
   </p:sldIdLst>
   <p:sldSz cx="12192000" cy="6858000"/>
   <p:notesSz cx="6858000" cy="9144000"/>
@@ -119,6 +120,449 @@
 </p:presentation>
 </file>
 
+<file path=ppt/notesMasters/notesMaster1.xml><?xml version="1.0" encoding="utf-8"?>
+<p:notesMaster xmlns:a="http://schemas.openxmlformats.org/drawingml/2006/main" xmlns:r="http://schemas.openxmlformats.org/officeDocument/2006/relationships" xmlns:p="http://schemas.openxmlformats.org/presentationml/2006/main">
+  <p:cSld>
+    <p:bg>
+      <p:bgRef idx="1001">
+        <a:schemeClr val="bg1"/>
+      </p:bgRef>
+    </p:bg>
+    <p:spTree>
+      <p:nvGrpSpPr>
+        <p:cNvPr id="1" name=""/>
+        <p:cNvGrpSpPr/>
+        <p:nvPr/>
+      </p:nvGrpSpPr>
+      <p:grpSpPr>
+        <a:xfrm>
+          <a:off x="0" y="0"/>
+          <a:ext cx="0" cy="0"/>
+          <a:chOff x="0" y="0"/>
+          <a:chExt cx="0" cy="0"/>
+        </a:xfrm>
+      </p:grpSpPr>
+      <p:sp>
+        <p:nvSpPr>
+          <p:cNvPr id="2" name="Header Placeholder 1"/>
+          <p:cNvSpPr>
+            <a:spLocks noGrp="1"/>
+          </p:cNvSpPr>
+          <p:nvPr>
+            <p:ph type="hdr" sz="quarter"/>
+          </p:nvPr>
+        </p:nvSpPr>
+        <p:spPr>
+          <a:xfrm>
+            <a:off x="0" y="0"/>
+            <a:ext cx="2971800" cy="458788"/>
+          </a:xfrm>
+          <a:prstGeom prst="rect">
+            <a:avLst/>
+          </a:prstGeom>
+        </p:spPr>
+        <p:txBody>
+          <a:bodyPr vert="horz" lIns="91440" tIns="45720" rIns="91440" bIns="45720" rtlCol="0"/>
+          <a:lstStyle>
+            <a:lvl1pPr algn="l">
+              <a:defRPr sz="1200"/>
+            </a:lvl1pPr>
+          </a:lstStyle>
+          <a:p>
+            <a:endParaRPr lang="en-NO"/>
+          </a:p>
+        </p:txBody>
+      </p:sp>
+      <p:sp>
+        <p:nvSpPr>
+          <p:cNvPr id="3" name="Date Placeholder 2"/>
+          <p:cNvSpPr>
+            <a:spLocks noGrp="1"/>
+          </p:cNvSpPr>
+          <p:nvPr>
+            <p:ph type="dt" idx="1"/>
+          </p:nvPr>
+        </p:nvSpPr>
+        <p:spPr>
+          <a:xfrm>
+            <a:off x="3884613" y="0"/>
+            <a:ext cx="2971800" cy="458788"/>
+          </a:xfrm>
+          <a:prstGeom prst="rect">
+            <a:avLst/>
+          </a:prstGeom>
+        </p:spPr>
+        <p:txBody>
+          <a:bodyPr vert="horz" lIns="91440" tIns="45720" rIns="91440" bIns="45720" rtlCol="0"/>
+          <a:lstStyle>
+            <a:lvl1pPr algn="r">
+              <a:defRPr sz="1200"/>
+            </a:lvl1pPr>
+          </a:lstStyle>
+          <a:p>
+            <a:fld id="{B4A1287B-2EBB-B745-8742-74EF847397E3}" type="datetimeFigureOut">
+              <a:rPr lang="en-NO" smtClean="0"/>
+              <a:t>01/06/2024</a:t>
+            </a:fld>
+            <a:endParaRPr lang="en-NO"/>
+          </a:p>
+        </p:txBody>
+      </p:sp>
+      <p:sp>
+        <p:nvSpPr>
+          <p:cNvPr id="4" name="Slide Image Placeholder 3"/>
+          <p:cNvSpPr>
+            <a:spLocks noGrp="1" noRot="1" noChangeAspect="1"/>
+          </p:cNvSpPr>
+          <p:nvPr>
+            <p:ph type="sldImg" idx="2"/>
+          </p:nvPr>
+        </p:nvSpPr>
+        <p:spPr>
+          <a:xfrm>
+            <a:off x="685800" y="1143000"/>
+            <a:ext cx="5486400" cy="3086100"/>
+          </a:xfrm>
+          <a:prstGeom prst="rect">
+            <a:avLst/>
+          </a:prstGeom>
+          <a:noFill/>
+          <a:ln w="12700">
+            <a:solidFill>
+              <a:prstClr val="black"/>
+            </a:solidFill>
+          </a:ln>
+        </p:spPr>
+        <p:txBody>
+          <a:bodyPr vert="horz" lIns="91440" tIns="45720" rIns="91440" bIns="45720" rtlCol="0" anchor="ctr"/>
+          <a:lstStyle/>
+          <a:p>
+            <a:endParaRPr lang="en-NO"/>
+          </a:p>
+        </p:txBody>
+      </p:sp>
+      <p:sp>
+        <p:nvSpPr>
+          <p:cNvPr id="5" name="Notes Placeholder 4"/>
+          <p:cNvSpPr>
+            <a:spLocks noGrp="1"/>
+          </p:cNvSpPr>
+          <p:nvPr>
+            <p:ph type="body" sz="quarter" idx="3"/>
+          </p:nvPr>
+        </p:nvSpPr>
+        <p:spPr>
+          <a:xfrm>
+            <a:off x="685800" y="4400550"/>
+            <a:ext cx="5486400" cy="3600450"/>
+          </a:xfrm>
+          <a:prstGeom prst="rect">
+            <a:avLst/>
+          </a:prstGeom>
+        </p:spPr>
+        <p:txBody>
+          <a:bodyPr vert="horz" lIns="91440" tIns="45720" rIns="91440" bIns="45720" rtlCol="0"/>
+          <a:lstStyle/>
+          <a:p>
+            <a:pPr lvl="0"/>
+            <a:r>
+              <a:rPr lang="en-GB"/>
+              <a:t>Click to edit Master text styles</a:t>
+            </a:r>
+          </a:p>
+          <a:p>
+            <a:pPr lvl="1"/>
+            <a:r>
+              <a:rPr lang="en-GB"/>
+              <a:t>Second level</a:t>
+            </a:r>
+          </a:p>
+          <a:p>
+            <a:pPr lvl="2"/>
+            <a:r>
+              <a:rPr lang="en-GB"/>
+              <a:t>Third level</a:t>
+            </a:r>
+          </a:p>
+          <a:p>
+            <a:pPr lvl="3"/>
+            <a:r>
+              <a:rPr lang="en-GB"/>
+              <a:t>Fourth level</a:t>
+            </a:r>
+          </a:p>
+          <a:p>
+            <a:pPr lvl="4"/>
+            <a:r>
+              <a:rPr lang="en-GB"/>
+              <a:t>Fifth level</a:t>
+            </a:r>
+            <a:endParaRPr lang="en-NO"/>
+          </a:p>
+        </p:txBody>
+      </p:sp>
+      <p:sp>
+        <p:nvSpPr>
+          <p:cNvPr id="6" name="Footer Placeholder 5"/>
+          <p:cNvSpPr>
+            <a:spLocks noGrp="1"/>
+          </p:cNvSpPr>
+          <p:nvPr>
+            <p:ph type="ftr" sz="quarter" idx="4"/>
+          </p:nvPr>
+        </p:nvSpPr>
+        <p:spPr>
+          <a:xfrm>
+            <a:off x="0" y="8685213"/>
+            <a:ext cx="2971800" cy="458787"/>
+          </a:xfrm>
+          <a:prstGeom prst="rect">
+            <a:avLst/>
+          </a:prstGeom>
+        </p:spPr>
+        <p:txBody>
+          <a:bodyPr vert="horz" lIns="91440" tIns="45720" rIns="91440" bIns="45720" rtlCol="0" anchor="b"/>
+          <a:lstStyle>
+            <a:lvl1pPr algn="l">
+              <a:defRPr sz="1200"/>
+            </a:lvl1pPr>
+          </a:lstStyle>
+          <a:p>
+            <a:endParaRPr lang="en-NO"/>
+          </a:p>
+        </p:txBody>
+      </p:sp>
+      <p:sp>
+        <p:nvSpPr>
+          <p:cNvPr id="7" name="Slide Number Placeholder 6"/>
+          <p:cNvSpPr>
+            <a:spLocks noGrp="1"/>
+          </p:cNvSpPr>
+          <p:nvPr>
+            <p:ph type="sldNum" sz="quarter" idx="5"/>
+          </p:nvPr>
+        </p:nvSpPr>
+        <p:spPr>
+          <a:xfrm>
+            <a:off x="3884613" y="8685213"/>
+            <a:ext cx="2971800" cy="458787"/>
+          </a:xfrm>
+          <a:prstGeom prst="rect">
+            <a:avLst/>
+          </a:prstGeom>
+        </p:spPr>
+        <p:txBody>
+          <a:bodyPr vert="horz" lIns="91440" tIns="45720" rIns="91440" bIns="45720" rtlCol="0" anchor="b"/>
+          <a:lstStyle>
+            <a:lvl1pPr algn="r">
+              <a:defRPr sz="1200"/>
+            </a:lvl1pPr>
+          </a:lstStyle>
+          <a:p>
+            <a:fld id="{E510A0CC-6D1A-B243-81DA-8ACCAD46E146}" type="slidenum">
+              <a:rPr lang="en-NO" smtClean="0"/>
+              <a:t>‹#›</a:t>
+            </a:fld>
+            <a:endParaRPr lang="en-NO"/>
+          </a:p>
+        </p:txBody>
+      </p:sp>
+    </p:spTree>
+    <p:extLst>
+      <p:ext uri="{BB962C8B-B14F-4D97-AF65-F5344CB8AC3E}">
+        <p14:creationId xmlns:p14="http://schemas.microsoft.com/office/powerpoint/2010/main" val="3027136182"/>
+      </p:ext>
+    </p:extLst>
+  </p:cSld>
+  <p:clrMap bg1="lt1" tx1="dk1" bg2="lt2" tx2="dk2" accent1="accent1" accent2="accent2" accent3="accent3" accent4="accent4" accent5="accent5" accent6="accent6" hlink="hlink" folHlink="folHlink"/>
+  <p:notesStyle>
+    <a:lvl1pPr marL="0" algn="l" defTabSz="914400" rtl="0" eaLnBrk="1" latinLnBrk="0" hangingPunct="1">
+      <a:defRPr sz="1200" kern="1200">
+        <a:solidFill>
+          <a:schemeClr val="tx1"/>
+        </a:solidFill>
+        <a:latin typeface="+mn-lt"/>
+        <a:ea typeface="+mn-ea"/>
+        <a:cs typeface="+mn-cs"/>
+      </a:defRPr>
+    </a:lvl1pPr>
+    <a:lvl2pPr marL="457200" algn="l" defTabSz="914400" rtl="0" eaLnBrk="1" latinLnBrk="0" hangingPunct="1">
+      <a:defRPr sz="1200" kern="1200">
+        <a:solidFill>
+          <a:schemeClr val="tx1"/>
+        </a:solidFill>
+        <a:latin typeface="+mn-lt"/>
+        <a:ea typeface="+mn-ea"/>
+        <a:cs typeface="+mn-cs"/>
+      </a:defRPr>
+    </a:lvl2pPr>
+    <a:lvl3pPr marL="914400" algn="l" defTabSz="914400" rtl="0" eaLnBrk="1" latinLnBrk="0" hangingPunct="1">
+      <a:defRPr sz="1200" kern="1200">
+        <a:solidFill>
+          <a:schemeClr val="tx1"/>
+        </a:solidFill>
+        <a:latin typeface="+mn-lt"/>
+        <a:ea typeface="+mn-ea"/>
+        <a:cs typeface="+mn-cs"/>
+      </a:defRPr>
+    </a:lvl3pPr>
+    <a:lvl4pPr marL="1371600" algn="l" defTabSz="914400" rtl="0" eaLnBrk="1" latinLnBrk="0" hangingPunct="1">
+      <a:defRPr sz="1200" kern="1200">
+        <a:solidFill>
+          <a:schemeClr val="tx1"/>
+        </a:solidFill>
+        <a:latin typeface="+mn-lt"/>
+        <a:ea typeface="+mn-ea"/>
+        <a:cs typeface="+mn-cs"/>
+      </a:defRPr>
+    </a:lvl4pPr>
+    <a:lvl5pPr marL="1828800" algn="l" defTabSz="914400" rtl="0" eaLnBrk="1" latinLnBrk="0" hangingPunct="1">
+      <a:defRPr sz="1200" kern="1200">
+        <a:solidFill>
+          <a:schemeClr val="tx1"/>
+        </a:solidFill>
+        <a:latin typeface="+mn-lt"/>
+        <a:ea typeface="+mn-ea"/>
+        <a:cs typeface="+mn-cs"/>
+      </a:defRPr>
+    </a:lvl5pPr>
+    <a:lvl6pPr marL="2286000" algn="l" defTabSz="914400" rtl="0" eaLnBrk="1" latinLnBrk="0" hangingPunct="1">
+      <a:defRPr sz="1200" kern="1200">
+        <a:solidFill>
+          <a:schemeClr val="tx1"/>
+        </a:solidFill>
+        <a:latin typeface="+mn-lt"/>
+        <a:ea typeface="+mn-ea"/>
+        <a:cs typeface="+mn-cs"/>
+      </a:defRPr>
+    </a:lvl6pPr>
+    <a:lvl7pPr marL="2743200" algn="l" defTabSz="914400" rtl="0" eaLnBrk="1" latinLnBrk="0" hangingPunct="1">
+      <a:defRPr sz="1200" kern="1200">
+        <a:solidFill>
+          <a:schemeClr val="tx1"/>
+        </a:solidFill>
+        <a:latin typeface="+mn-lt"/>
+        <a:ea typeface="+mn-ea"/>
+        <a:cs typeface="+mn-cs"/>
+      </a:defRPr>
+    </a:lvl7pPr>
+    <a:lvl8pPr marL="3200400" algn="l" defTabSz="914400" rtl="0" eaLnBrk="1" latinLnBrk="0" hangingPunct="1">
+      <a:defRPr sz="1200" kern="1200">
+        <a:solidFill>
+          <a:schemeClr val="tx1"/>
+        </a:solidFill>
+        <a:latin typeface="+mn-lt"/>
+        <a:ea typeface="+mn-ea"/>
+        <a:cs typeface="+mn-cs"/>
+      </a:defRPr>
+    </a:lvl8pPr>
+    <a:lvl9pPr marL="3657600" algn="l" defTabSz="914400" rtl="0" eaLnBrk="1" latinLnBrk="0" hangingPunct="1">
+      <a:defRPr sz="1200" kern="1200">
+        <a:solidFill>
+          <a:schemeClr val="tx1"/>
+        </a:solidFill>
+        <a:latin typeface="+mn-lt"/>
+        <a:ea typeface="+mn-ea"/>
+        <a:cs typeface="+mn-cs"/>
+      </a:defRPr>
+    </a:lvl9pPr>
+  </p:notesStyle>
+</p:notesMaster>
+</file>
+
+<file path=ppt/notesSlides/notesSlide1.xml><?xml version="1.0" encoding="utf-8"?>
+<p:notes xmlns:a="http://schemas.openxmlformats.org/drawingml/2006/main" xmlns:r="http://schemas.openxmlformats.org/officeDocument/2006/relationships" xmlns:p="http://schemas.openxmlformats.org/presentationml/2006/main">
+  <p:cSld>
+    <p:spTree>
+      <p:nvGrpSpPr>
+        <p:cNvPr id="1" name=""/>
+        <p:cNvGrpSpPr/>
+        <p:nvPr/>
+      </p:nvGrpSpPr>
+      <p:grpSpPr>
+        <a:xfrm>
+          <a:off x="0" y="0"/>
+          <a:ext cx="0" cy="0"/>
+          <a:chOff x="0" y="0"/>
+          <a:chExt cx="0" cy="0"/>
+        </a:xfrm>
+      </p:grpSpPr>
+      <p:sp>
+        <p:nvSpPr>
+          <p:cNvPr id="2" name="Slide Image Placeholder 1"/>
+          <p:cNvSpPr>
+            <a:spLocks noGrp="1" noRot="1" noChangeAspect="1"/>
+          </p:cNvSpPr>
+          <p:nvPr>
+            <p:ph type="sldImg"/>
+          </p:nvPr>
+        </p:nvSpPr>
+        <p:spPr/>
+      </p:sp>
+      <p:sp>
+        <p:nvSpPr>
+          <p:cNvPr id="3" name="Notes Placeholder 2"/>
+          <p:cNvSpPr>
+            <a:spLocks noGrp="1"/>
+          </p:cNvSpPr>
+          <p:nvPr>
+            <p:ph type="body" idx="1"/>
+          </p:nvPr>
+        </p:nvSpPr>
+        <p:spPr/>
+        <p:txBody>
+          <a:bodyPr/>
+          <a:lstStyle/>
+          <a:p>
+            <a:r>
+              <a:rPr lang="en-NO" dirty="0"/>
+              <a:t>It works, it works across technologies and is found “everywhere”</a:t>
+            </a:r>
+          </a:p>
+          <a:p>
+            <a:endParaRPr lang="en-NO" dirty="0"/>
+          </a:p>
+          <a:p>
+            <a:endParaRPr lang="en-NO" dirty="0"/>
+          </a:p>
+        </p:txBody>
+      </p:sp>
+      <p:sp>
+        <p:nvSpPr>
+          <p:cNvPr id="4" name="Slide Number Placeholder 3"/>
+          <p:cNvSpPr>
+            <a:spLocks noGrp="1"/>
+          </p:cNvSpPr>
+          <p:nvPr>
+            <p:ph type="sldNum" sz="quarter" idx="5"/>
+          </p:nvPr>
+        </p:nvSpPr>
+        <p:spPr/>
+        <p:txBody>
+          <a:bodyPr/>
+          <a:lstStyle/>
+          <a:p>
+            <a:fld id="{E510A0CC-6D1A-B243-81DA-8ACCAD46E146}" type="slidenum">
+              <a:rPr lang="en-NO" smtClean="0"/>
+              <a:t>4</a:t>
+            </a:fld>
+            <a:endParaRPr lang="en-NO"/>
+          </a:p>
+        </p:txBody>
+      </p:sp>
+    </p:spTree>
+    <p:extLst>
+      <p:ext uri="{BB962C8B-B14F-4D97-AF65-F5344CB8AC3E}">
+        <p14:creationId xmlns:p14="http://schemas.microsoft.com/office/powerpoint/2010/main" val="3473693535"/>
+      </p:ext>
+    </p:extLst>
+  </p:cSld>
+  <p:clrMapOvr>
+    <a:masterClrMapping/>
+  </p:clrMapOvr>
+</p:notes>
+</file>
+
 <file path=ppt/slideLayouts/slideLayout1.xml><?xml version="1.0" encoding="utf-8"?>
 <p:sldLayout xmlns:a="http://schemas.openxmlformats.org/drawingml/2006/main" xmlns:r="http://schemas.openxmlformats.org/officeDocument/2006/relationships" xmlns:p="http://schemas.openxmlformats.org/presentationml/2006/main" type="title" preserve="1">
   <p:cSld name="Title Slide">
@@ -268,7 +712,7 @@
           <a:p>
             <a:fld id="{DC6E42A9-651D-3540-8CB9-D3AF2DFD9605}" type="datetimeFigureOut">
               <a:rPr lang="nb-NO" smtClean="0"/>
-              <a:t>09.11.2023</a:t>
+              <a:t>01.06.2024</a:t>
             </a:fld>
             <a:endParaRPr lang="nb-NO"/>
           </a:p>
@@ -468,7 +912,7 @@
           <a:p>
             <a:fld id="{DC6E42A9-651D-3540-8CB9-D3AF2DFD9605}" type="datetimeFigureOut">
               <a:rPr lang="nb-NO" smtClean="0"/>
-              <a:t>09.11.2023</a:t>
+              <a:t>01.06.2024</a:t>
             </a:fld>
             <a:endParaRPr lang="nb-NO"/>
           </a:p>
@@ -678,7 +1122,7 @@
           <a:p>
             <a:fld id="{DC6E42A9-651D-3540-8CB9-D3AF2DFD9605}" type="datetimeFigureOut">
               <a:rPr lang="nb-NO" smtClean="0"/>
-              <a:t>09.11.2023</a:t>
+              <a:t>01.06.2024</a:t>
             </a:fld>
             <a:endParaRPr lang="nb-NO"/>
           </a:p>
@@ -878,7 +1322,7 @@
           <a:p>
             <a:fld id="{DC6E42A9-651D-3540-8CB9-D3AF2DFD9605}" type="datetimeFigureOut">
               <a:rPr lang="nb-NO" smtClean="0"/>
-              <a:t>09.11.2023</a:t>
+              <a:t>01.06.2024</a:t>
             </a:fld>
             <a:endParaRPr lang="nb-NO"/>
           </a:p>
@@ -1154,7 +1598,7 @@
           <a:p>
             <a:fld id="{DC6E42A9-651D-3540-8CB9-D3AF2DFD9605}" type="datetimeFigureOut">
               <a:rPr lang="nb-NO" smtClean="0"/>
-              <a:t>09.11.2023</a:t>
+              <a:t>01.06.2024</a:t>
             </a:fld>
             <a:endParaRPr lang="nb-NO"/>
           </a:p>
@@ -1422,7 +1866,7 @@
           <a:p>
             <a:fld id="{DC6E42A9-651D-3540-8CB9-D3AF2DFD9605}" type="datetimeFigureOut">
               <a:rPr lang="nb-NO" smtClean="0"/>
-              <a:t>09.11.2023</a:t>
+              <a:t>01.06.2024</a:t>
             </a:fld>
             <a:endParaRPr lang="nb-NO"/>
           </a:p>
@@ -1837,7 +2281,7 @@
           <a:p>
             <a:fld id="{DC6E42A9-651D-3540-8CB9-D3AF2DFD9605}" type="datetimeFigureOut">
               <a:rPr lang="nb-NO" smtClean="0"/>
-              <a:t>09.11.2023</a:t>
+              <a:t>01.06.2024</a:t>
             </a:fld>
             <a:endParaRPr lang="nb-NO"/>
           </a:p>
@@ -1979,7 +2423,7 @@
           <a:p>
             <a:fld id="{DC6E42A9-651D-3540-8CB9-D3AF2DFD9605}" type="datetimeFigureOut">
               <a:rPr lang="nb-NO" smtClean="0"/>
-              <a:t>09.11.2023</a:t>
+              <a:t>01.06.2024</a:t>
             </a:fld>
             <a:endParaRPr lang="nb-NO"/>
           </a:p>
@@ -2092,7 +2536,7 @@
           <a:p>
             <a:fld id="{DC6E42A9-651D-3540-8CB9-D3AF2DFD9605}" type="datetimeFigureOut">
               <a:rPr lang="nb-NO" smtClean="0"/>
-              <a:t>09.11.2023</a:t>
+              <a:t>01.06.2024</a:t>
             </a:fld>
             <a:endParaRPr lang="nb-NO"/>
           </a:p>
@@ -2405,7 +2849,7 @@
           <a:p>
             <a:fld id="{DC6E42A9-651D-3540-8CB9-D3AF2DFD9605}" type="datetimeFigureOut">
               <a:rPr lang="nb-NO" smtClean="0"/>
-              <a:t>09.11.2023</a:t>
+              <a:t>01.06.2024</a:t>
             </a:fld>
             <a:endParaRPr lang="nb-NO"/>
           </a:p>
@@ -2694,7 +3138,7 @@
           <a:p>
             <a:fld id="{DC6E42A9-651D-3540-8CB9-D3AF2DFD9605}" type="datetimeFigureOut">
               <a:rPr lang="nb-NO" smtClean="0"/>
-              <a:t>09.11.2023</a:t>
+              <a:t>01.06.2024</a:t>
             </a:fld>
             <a:endParaRPr lang="nb-NO"/>
           </a:p>
@@ -2937,7 +3381,7 @@
           <a:p>
             <a:fld id="{DC6E42A9-651D-3540-8CB9-D3AF2DFD9605}" type="datetimeFigureOut">
               <a:rPr lang="nb-NO" smtClean="0"/>
-              <a:t>09.11.2023</a:t>
+              <a:t>01.06.2024</a:t>
             </a:fld>
             <a:endParaRPr lang="nb-NO"/>
           </a:p>
@@ -3377,44 +3821,11 @@
           <a:p>
             <a:r>
               <a:rPr lang="nb-NO" dirty="0" err="1"/>
-              <a:t>Observerbarhet</a:t>
+              <a:t>OpenTelemetry</a:t>
             </a:r>
             <a:r>
               <a:rPr lang="nb-NO" dirty="0"/>
-              <a:t> - </a:t>
-            </a:r>
-            <a:r>
-              <a:rPr lang="nb-NO" dirty="0" err="1"/>
-              <a:t>OpenTelemetry</a:t>
-            </a:r>
-            <a:endParaRPr lang="nb-NO" dirty="0"/>
-          </a:p>
-        </p:txBody>
-      </p:sp>
-      <p:sp>
-        <p:nvSpPr>
-          <p:cNvPr id="3" name="Subtitle 2">
-            <a:extLst>
-              <a:ext uri="{FF2B5EF4-FFF2-40B4-BE49-F238E27FC236}">
-                <a16:creationId xmlns:a16="http://schemas.microsoft.com/office/drawing/2014/main" id="{D8648998-776A-9F30-76DF-48A94A1B18BA}"/>
-              </a:ext>
-            </a:extLst>
-          </p:cNvPr>
-          <p:cNvSpPr>
-            <a:spLocks noGrp="1"/>
-          </p:cNvSpPr>
-          <p:nvPr>
-            <p:ph type="subTitle" idx="1"/>
-          </p:nvPr>
-        </p:nvSpPr>
-        <p:spPr/>
-        <p:txBody>
-          <a:bodyPr/>
-          <a:lstStyle/>
-          <a:p>
-            <a:r>
-              <a:rPr lang="nb-NO" dirty="0"/>
-              <a:t>Faggruppe 9. November</a:t>
+              <a:t> Starter Pack</a:t>
             </a:r>
           </a:p>
         </p:txBody>
@@ -3472,7 +3883,7 @@
           <a:p>
             <a:r>
               <a:rPr lang="nb-NO" dirty="0"/>
-              <a:t>Plan for dagen</a:t>
+              <a:t>Agenda</a:t>
             </a:r>
           </a:p>
         </p:txBody>
@@ -3499,21 +3910,92 @@
           <a:lstStyle/>
           <a:p>
             <a:r>
+              <a:rPr lang="nb-NO" dirty="0" err="1"/>
+              <a:t>Clone</a:t>
+            </a:r>
+            <a:r>
               <a:rPr lang="nb-NO" dirty="0"/>
-              <a:t>Komme i gang med oppsett til workshop</a:t>
-            </a:r>
-          </a:p>
-          <a:p>
+              <a:t> </a:t>
+            </a:r>
+            <a:r>
+              <a:rPr lang="nb-NO" dirty="0" err="1"/>
+              <a:t>repo</a:t>
+            </a:r>
             <a:r>
               <a:rPr lang="nb-NO" dirty="0"/>
-              <a:t>Gå gjennom litt teori</a:t>
-            </a:r>
-          </a:p>
-          <a:p>
+              <a:t>, and run «</a:t>
+            </a:r>
+            <a:r>
+              <a:rPr lang="nb-NO" dirty="0" err="1"/>
+              <a:t>docker</a:t>
+            </a:r>
             <a:r>
               <a:rPr lang="nb-NO" dirty="0"/>
-              <a:t>Workshop</a:t>
-            </a:r>
+              <a:t> </a:t>
+            </a:r>
+            <a:r>
+              <a:rPr lang="nb-NO" dirty="0" err="1"/>
+              <a:t>compose</a:t>
+            </a:r>
+            <a:r>
+              <a:rPr lang="nb-NO" dirty="0"/>
+              <a:t> up» as </a:t>
+            </a:r>
+            <a:r>
+              <a:rPr lang="nb-NO" dirty="0" err="1"/>
+              <a:t>soon</a:t>
+            </a:r>
+            <a:r>
+              <a:rPr lang="nb-NO" dirty="0"/>
+              <a:t> as </a:t>
+            </a:r>
+            <a:r>
+              <a:rPr lang="nb-NO" dirty="0" err="1"/>
+              <a:t>possible</a:t>
+            </a:r>
+            <a:endParaRPr lang="nb-NO" dirty="0"/>
+          </a:p>
+          <a:p>
+            <a:r>
+              <a:rPr lang="nb-NO" dirty="0"/>
+              <a:t>Intro to </a:t>
+            </a:r>
+            <a:r>
+              <a:rPr lang="nb-NO" dirty="0" err="1"/>
+              <a:t>observabiltiy</a:t>
+            </a:r>
+            <a:r>
+              <a:rPr lang="nb-NO" dirty="0"/>
+              <a:t> and </a:t>
+            </a:r>
+            <a:r>
+              <a:rPr lang="nb-NO" dirty="0" err="1"/>
+              <a:t>OpenTelemetry</a:t>
+            </a:r>
+            <a:endParaRPr lang="nb-NO" dirty="0"/>
+          </a:p>
+          <a:p>
+            <a:r>
+              <a:rPr lang="nb-NO" dirty="0" err="1"/>
+              <a:t>Self</a:t>
+            </a:r>
+            <a:r>
+              <a:rPr lang="nb-NO" dirty="0"/>
+              <a:t> </a:t>
+            </a:r>
+            <a:r>
+              <a:rPr lang="nb-NO" dirty="0" err="1"/>
+              <a:t>paced</a:t>
+            </a:r>
+            <a:r>
+              <a:rPr lang="nb-NO" dirty="0"/>
+              <a:t> </a:t>
+            </a:r>
+            <a:r>
+              <a:rPr lang="nb-NO" dirty="0" err="1"/>
+              <a:t>tasks</a:t>
+            </a:r>
+            <a:endParaRPr lang="nb-NO" dirty="0"/>
           </a:p>
         </p:txBody>
       </p:sp>
@@ -3570,7 +4052,7 @@
           <a:p>
             <a:r>
               <a:rPr lang="nb-NO" dirty="0" err="1"/>
-              <a:t>Observerbarhet</a:t>
+              <a:t>Observability</a:t>
             </a:r>
             <a:endParaRPr lang="nb-NO" dirty="0"/>
           </a:p>
@@ -3599,87 +4081,136 @@
           <a:p>
             <a:r>
               <a:rPr lang="nb-NO" dirty="0" err="1"/>
-              <a:t>Observerbarhet</a:t>
+              <a:t>Observability</a:t>
             </a:r>
             <a:r>
               <a:rPr lang="nb-NO" dirty="0"/>
-              <a:t> er evnen til å forstå systemet fra utsiden</a:t>
-            </a:r>
-          </a:p>
-          <a:p>
+              <a:t> </a:t>
+            </a:r>
+            <a:r>
+              <a:rPr lang="nb-NO" dirty="0" err="1"/>
+              <a:t>of</a:t>
+            </a:r>
             <a:r>
               <a:rPr lang="nb-NO" dirty="0"/>
-              <a:t>For å oppnå dette trenger vi å instrumentere våre applikasjoner (Sende signaler)</a:t>
-            </a:r>
-          </a:p>
-          <a:p>
+              <a:t> a system – How </a:t>
+            </a:r>
+            <a:r>
+              <a:rPr lang="nb-NO" dirty="0" err="1"/>
+              <a:t>easy</a:t>
+            </a:r>
             <a:r>
               <a:rPr lang="nb-NO" dirty="0"/>
-              <a:t>Symptom =&gt;  </a:t>
+              <a:t> is it to </a:t>
             </a:r>
             <a:r>
               <a:rPr lang="nb-NO" dirty="0" err="1"/>
-              <a:t>Rotårsak</a:t>
+              <a:t>observe</a:t>
+            </a:r>
+            <a:r>
+              <a:rPr lang="nb-NO" dirty="0"/>
+              <a:t> </a:t>
+            </a:r>
+            <a:r>
+              <a:rPr lang="nb-NO" dirty="0" err="1"/>
+              <a:t>the</a:t>
+            </a:r>
+            <a:r>
+              <a:rPr lang="nb-NO" dirty="0"/>
+              <a:t> </a:t>
+            </a:r>
+            <a:r>
+              <a:rPr lang="nb-NO" dirty="0" err="1"/>
+              <a:t>inner</a:t>
+            </a:r>
+            <a:r>
+              <a:rPr lang="nb-NO" dirty="0"/>
+              <a:t> </a:t>
+            </a:r>
+            <a:r>
+              <a:rPr lang="nb-NO" dirty="0" err="1"/>
+              <a:t>state</a:t>
+            </a:r>
+            <a:r>
+              <a:rPr lang="nb-NO" dirty="0"/>
+              <a:t> </a:t>
+            </a:r>
+            <a:r>
+              <a:rPr lang="nb-NO" dirty="0" err="1"/>
+              <a:t>of</a:t>
+            </a:r>
+            <a:r>
+              <a:rPr lang="nb-NO" dirty="0"/>
+              <a:t> </a:t>
+            </a:r>
+            <a:r>
+              <a:rPr lang="nb-NO" dirty="0" err="1"/>
+              <a:t>the</a:t>
+            </a:r>
+            <a:r>
+              <a:rPr lang="nb-NO" dirty="0"/>
+              <a:t> system? </a:t>
+            </a:r>
+          </a:p>
+          <a:p>
+            <a:r>
+              <a:rPr lang="nb-NO" dirty="0" err="1"/>
+              <a:t>Typically</a:t>
+            </a:r>
+            <a:r>
+              <a:rPr lang="nb-NO" dirty="0"/>
+              <a:t> </a:t>
+            </a:r>
+            <a:r>
+              <a:rPr lang="nb-NO" dirty="0" err="1"/>
+              <a:t>we</a:t>
+            </a:r>
+            <a:r>
+              <a:rPr lang="nb-NO" dirty="0"/>
+              <a:t> </a:t>
+            </a:r>
+            <a:r>
+              <a:rPr lang="nb-NO" dirty="0" err="1"/>
+              <a:t>need</a:t>
+            </a:r>
+            <a:r>
+              <a:rPr lang="nb-NO" dirty="0"/>
+              <a:t> to instrument </a:t>
+            </a:r>
+            <a:r>
+              <a:rPr lang="nb-NO" dirty="0" err="1"/>
+              <a:t>our</a:t>
+            </a:r>
+            <a:r>
+              <a:rPr lang="nb-NO" dirty="0"/>
+              <a:t> </a:t>
+            </a:r>
+            <a:r>
+              <a:rPr lang="nb-NO" dirty="0" err="1"/>
+              <a:t>application</a:t>
             </a:r>
             <a:endParaRPr lang="nb-NO" dirty="0"/>
           </a:p>
           <a:p>
             <a:r>
-              <a:rPr lang="en-GB" b="0" i="0" u="none" strike="noStrike" dirty="0">
-                <a:effectLst/>
-                <a:latin typeface="-apple-system"/>
-                <a:hlinkClick r:id="rId2"/>
-              </a:rPr>
-              <a:t>OpenTelemetry</a:t>
-            </a:r>
-            <a:r>
-              <a:rPr lang="en-GB" b="0" i="0" u="none" strike="noStrike" dirty="0">
-                <a:effectLst/>
-                <a:latin typeface="-apple-system"/>
-              </a:rPr>
-              <a:t> er et </a:t>
-            </a:r>
-            <a:r>
-              <a:rPr lang="en-GB" b="0" i="0" u="none" strike="noStrike" dirty="0" err="1">
-                <a:effectLst/>
-                <a:latin typeface="-apple-system"/>
-              </a:rPr>
-              <a:t>observerbarhetsrammeverk</a:t>
-            </a:r>
-            <a:r>
-              <a:rPr lang="en-GB" b="0" i="0" u="none" strike="noStrike" dirty="0">
-                <a:effectLst/>
-                <a:latin typeface="-apple-system"/>
-              </a:rPr>
-              <a:t>- </a:t>
-            </a:r>
-            <a:r>
-              <a:rPr lang="en-GB" b="0" i="0" u="none" strike="noStrike" dirty="0" err="1">
-                <a:effectLst/>
-                <a:latin typeface="-apple-system"/>
-              </a:rPr>
-              <a:t>og</a:t>
-            </a:r>
-            <a:r>
-              <a:rPr lang="en-GB" b="0" i="0" u="none" strike="noStrike" dirty="0">
-                <a:effectLst/>
-                <a:latin typeface="-apple-system"/>
-              </a:rPr>
+              <a:rPr lang="nb-NO" dirty="0" err="1"/>
+              <a:t>Symtom</a:t>
+            </a:r>
+            <a:r>
+              <a:rPr lang="nb-NO" dirty="0"/>
+              <a:t> =&gt;  </a:t>
+            </a:r>
+            <a:r>
+              <a:rPr lang="nb-NO" dirty="0" err="1"/>
+              <a:t>Root</a:t>
+            </a:r>
+            <a:r>
+              <a:rPr lang="nb-NO" dirty="0"/>
               <a:t> </a:t>
             </a:r>
             <a:r>
-              <a:rPr lang="en-GB" b="0" i="0" u="none" strike="noStrike" dirty="0" err="1">
-                <a:effectLst/>
-                <a:latin typeface="-apple-system"/>
-              </a:rPr>
-              <a:t>verktøykasse</a:t>
-            </a:r>
-            <a:r>
-              <a:rPr lang="en-GB" b="0" i="0" u="none" strike="noStrike" dirty="0">
-                <a:effectLst/>
-                <a:latin typeface="-apple-system"/>
-              </a:rPr>
-              <a:t> </a:t>
+              <a:rPr lang="nb-NO" dirty="0" err="1"/>
+              <a:t>cause</a:t>
             </a:r>
             <a:endParaRPr lang="nb-NO" dirty="0"/>
           </a:p>
@@ -3720,7 +4251,7 @@
           <p:cNvPr id="2" name="Title 1">
             <a:extLst>
               <a:ext uri="{FF2B5EF4-FFF2-40B4-BE49-F238E27FC236}">
-                <a16:creationId xmlns:a16="http://schemas.microsoft.com/office/drawing/2014/main" id="{6943A4DA-3EB0-2D66-870C-52F9216C1666}"/>
+                <a16:creationId xmlns:a16="http://schemas.microsoft.com/office/drawing/2014/main" id="{DCCCB45C-2ED4-4761-476A-2270CA709153}"/>
               </a:ext>
             </a:extLst>
           </p:cNvPr>
@@ -3737,8 +4268,8 @@
           <a:lstStyle/>
           <a:p>
             <a:r>
-              <a:rPr lang="nb-NO" dirty="0"/>
-              <a:t>Signaler</a:t>
+              <a:rPr lang="en-NO" dirty="0"/>
+              <a:t>OpenTelemetry</a:t>
             </a:r>
           </a:p>
         </p:txBody>
@@ -3748,7 +4279,7 @@
           <p:cNvPr id="3" name="Content Placeholder 2">
             <a:extLst>
               <a:ext uri="{FF2B5EF4-FFF2-40B4-BE49-F238E27FC236}">
-                <a16:creationId xmlns:a16="http://schemas.microsoft.com/office/drawing/2014/main" id="{0FE594A9-147F-442B-B4F5-5443F89AC366}"/>
+                <a16:creationId xmlns:a16="http://schemas.microsoft.com/office/drawing/2014/main" id="{67D5C9B6-EF36-BCBD-F07D-820C9651DCCD}"/>
               </a:ext>
             </a:extLst>
           </p:cNvPr>
@@ -3765,44 +4296,62 @@
           <a:lstStyle/>
           <a:p>
             <a:r>
-              <a:rPr lang="nb-NO" dirty="0"/>
-              <a:t>Traces</a:t>
-            </a:r>
-          </a:p>
-          <a:p>
-            <a:r>
-              <a:rPr lang="nb-NO" dirty="0" err="1"/>
-              <a:t>Metrics</a:t>
-            </a:r>
-            <a:endParaRPr lang="nb-NO" dirty="0"/>
-          </a:p>
-          <a:p>
-            <a:r>
-              <a:rPr lang="nb-NO" dirty="0"/>
-              <a:t>Logs</a:t>
-            </a:r>
-          </a:p>
-          <a:p>
-            <a:r>
-              <a:rPr lang="en-GB" b="0" i="0" dirty="0">
-                <a:solidFill>
-                  <a:srgbClr val="212529"/>
-                </a:solidFill>
-                <a:effectLst/>
-                <a:latin typeface="-apple-system"/>
+              <a:rPr lang="en-GB" dirty="0"/>
+              <a:t>High-quality, ubiquitous, and portable telemetry to enable effective observability</a:t>
+            </a:r>
+          </a:p>
+          <a:p>
+            <a:r>
+              <a:rPr lang="en-GB" dirty="0"/>
+              <a:t>A collection of APIs, SDKs, and tools. Use it to instrument, generate, collect, and export telemetry data (metrics, logs and traces) to help you </a:t>
+            </a:r>
+            <a:r>
+              <a:rPr lang="en-GB" dirty="0" err="1"/>
+              <a:t>analyze</a:t>
+            </a:r>
+            <a:r>
+              <a:rPr lang="en-GB" dirty="0"/>
+              <a:t> your software's performance and </a:t>
+            </a:r>
+            <a:r>
+              <a:rPr lang="en-GB" dirty="0" err="1"/>
+              <a:t>behavior</a:t>
+            </a:r>
+            <a:r>
+              <a:rPr lang="en-GB" dirty="0"/>
+              <a:t>.</a:t>
+            </a:r>
+          </a:p>
+          <a:p>
+            <a:pPr marL="0" indent="0">
+              <a:buNone/>
+            </a:pPr>
+            <a:endParaRPr lang="en-GB" dirty="0"/>
+          </a:p>
+          <a:p>
+            <a:pPr marL="0" indent="0">
+              <a:buNone/>
+            </a:pPr>
+            <a:r>
+              <a:rPr lang="en-GB" dirty="0">
+                <a:hlinkClick r:id="rId3"/>
               </a:rPr>
-              <a:t>(Baggage)</a:t>
-            </a:r>
-          </a:p>
-          <a:p>
-            <a:endParaRPr lang="nb-NO" dirty="0"/>
+              <a:t>https://github.com/open-telemetry</a:t>
+            </a:r>
+            <a:endParaRPr lang="en-GB" dirty="0"/>
+          </a:p>
+          <a:p>
+            <a:pPr marL="0" indent="0">
+              <a:buNone/>
+            </a:pPr>
+            <a:endParaRPr lang="en-NO" dirty="0"/>
           </a:p>
         </p:txBody>
       </p:sp>
     </p:spTree>
     <p:extLst>
       <p:ext uri="{BB962C8B-B14F-4D97-AF65-F5344CB8AC3E}">
-        <p14:creationId xmlns:p14="http://schemas.microsoft.com/office/powerpoint/2010/main" val="1761284807"/>
+        <p14:creationId xmlns:p14="http://schemas.microsoft.com/office/powerpoint/2010/main" val="489532701"/>
       </p:ext>
     </p:extLst>
   </p:cSld>
@@ -3834,7 +4383,7 @@
           <p:cNvPr id="2" name="Title 1">
             <a:extLst>
               <a:ext uri="{FF2B5EF4-FFF2-40B4-BE49-F238E27FC236}">
-                <a16:creationId xmlns:a16="http://schemas.microsoft.com/office/drawing/2014/main" id="{F24D36E5-642E-C6DE-3D81-6DF9BE5F27AF}"/>
+                <a16:creationId xmlns:a16="http://schemas.microsoft.com/office/drawing/2014/main" id="{6943A4DA-3EB0-2D66-870C-52F9216C1666}"/>
               </a:ext>
             </a:extLst>
           </p:cNvPr>
@@ -3852,7 +4401,7 @@
           <a:p>
             <a:r>
               <a:rPr lang="nb-NO" dirty="0"/>
-              <a:t>Traces</a:t>
+              <a:t>Signals</a:t>
             </a:r>
           </a:p>
         </p:txBody>
@@ -3862,7 +4411,7 @@
           <p:cNvPr id="3" name="Content Placeholder 2">
             <a:extLst>
               <a:ext uri="{FF2B5EF4-FFF2-40B4-BE49-F238E27FC236}">
-                <a16:creationId xmlns:a16="http://schemas.microsoft.com/office/drawing/2014/main" id="{9D7E3700-A966-F3E6-F9D9-3C1685FE4F98}"/>
+                <a16:creationId xmlns:a16="http://schemas.microsoft.com/office/drawing/2014/main" id="{0FE594A9-147F-442B-B4F5-5443F89AC366}"/>
               </a:ext>
             </a:extLst>
           </p:cNvPr>
@@ -3875,260 +4424,62 @@
         </p:nvSpPr>
         <p:spPr/>
         <p:txBody>
-          <a:bodyPr>
-            <a:normAutofit lnSpcReduction="10000"/>
-          </a:bodyPr>
+          <a:bodyPr/>
           <a:lstStyle/>
           <a:p>
             <a:r>
               <a:rPr lang="nb-NO" dirty="0"/>
-              <a:t>Et slags sekvensdiagram for systemet</a:t>
-            </a:r>
-          </a:p>
-          <a:p>
-            <a:r>
-              <a:rPr lang="en-GB" b="0" i="0" dirty="0" err="1">
-                <a:solidFill>
-                  <a:srgbClr val="212529"/>
-                </a:solidFill>
-                <a:effectLst/>
-                <a:latin typeface="SFMono-Regular"/>
-              </a:rPr>
-              <a:t>TracerProvider</a:t>
-            </a:r>
-            <a:r>
-              <a:rPr lang="nb-NO" b="0" i="0" dirty="0">
-                <a:solidFill>
-                  <a:srgbClr val="212529"/>
-                </a:solidFill>
-                <a:effectLst/>
-                <a:latin typeface="SFMono-Regular"/>
-              </a:rPr>
-              <a:t> =&gt; Tracer (.NET: </a:t>
-            </a:r>
-            <a:r>
-              <a:rPr lang="nb-NO" b="0" i="0" dirty="0" err="1">
-                <a:solidFill>
-                  <a:srgbClr val="212529"/>
-                </a:solidFill>
-                <a:effectLst/>
-                <a:latin typeface="SFMono-Regular"/>
-              </a:rPr>
-              <a:t>ActivitySource</a:t>
-            </a:r>
-            <a:r>
-              <a:rPr lang="nb-NO" b="0" i="0" dirty="0">
-                <a:solidFill>
-                  <a:srgbClr val="212529"/>
-                </a:solidFill>
-                <a:effectLst/>
-                <a:latin typeface="SFMono-Regular"/>
-              </a:rPr>
-              <a:t>) =&gt; Trace/Span (.NET: Activity)</a:t>
-            </a:r>
-          </a:p>
-          <a:p>
-            <a:r>
-              <a:rPr lang="nb-NO" dirty="0">
-                <a:solidFill>
-                  <a:srgbClr val="212529"/>
-                </a:solidFill>
-                <a:latin typeface="-apple-system"/>
-              </a:rPr>
-              <a:t>Span</a:t>
-            </a:r>
-          </a:p>
-          <a:p>
-            <a:pPr lvl="1"/>
-            <a:r>
-              <a:rPr lang="nb-NO" b="0" i="0" dirty="0" err="1">
-                <a:solidFill>
-                  <a:srgbClr val="212529"/>
-                </a:solidFill>
-                <a:effectLst/>
-                <a:latin typeface="-apple-system"/>
-              </a:rPr>
-              <a:t>Context</a:t>
-            </a:r>
-            <a:endParaRPr lang="nb-NO" b="0" i="0" dirty="0">
-              <a:solidFill>
-                <a:srgbClr val="212529"/>
-              </a:solidFill>
-              <a:effectLst/>
-              <a:latin typeface="-apple-system"/>
-            </a:endParaRPr>
-          </a:p>
-          <a:p>
-            <a:pPr lvl="2"/>
-            <a:r>
-              <a:rPr lang="nb-NO" b="0" i="0" dirty="0" err="1">
-                <a:solidFill>
-                  <a:srgbClr val="212529"/>
-                </a:solidFill>
-                <a:effectLst/>
-                <a:latin typeface="-apple-system"/>
-              </a:rPr>
-              <a:t>TraceId</a:t>
-            </a:r>
-            <a:endParaRPr lang="nb-NO" dirty="0">
-              <a:solidFill>
-                <a:srgbClr val="212529"/>
-              </a:solidFill>
-              <a:latin typeface="-apple-system"/>
-            </a:endParaRPr>
-          </a:p>
-          <a:p>
-            <a:pPr lvl="2"/>
-            <a:r>
-              <a:rPr lang="nb-NO" dirty="0" err="1">
-                <a:solidFill>
-                  <a:srgbClr val="212529"/>
-                </a:solidFill>
-                <a:latin typeface="-apple-system"/>
-              </a:rPr>
-              <a:t>SpanId</a:t>
-            </a:r>
-            <a:endParaRPr lang="nb-NO" dirty="0">
-              <a:solidFill>
-                <a:srgbClr val="212529"/>
-              </a:solidFill>
-              <a:latin typeface="-apple-system"/>
-            </a:endParaRPr>
-          </a:p>
-          <a:p>
-            <a:pPr lvl="1"/>
-            <a:r>
-              <a:rPr lang="nb-NO" b="0" i="0" dirty="0" err="1">
-                <a:solidFill>
-                  <a:srgbClr val="212529"/>
-                </a:solidFill>
-                <a:effectLst/>
-                <a:latin typeface="-apple-system"/>
-              </a:rPr>
-              <a:t>Atr</a:t>
-            </a:r>
-            <a:r>
-              <a:rPr lang="nb-NO" dirty="0" err="1">
-                <a:solidFill>
-                  <a:srgbClr val="212529"/>
-                </a:solidFill>
-                <a:latin typeface="-apple-system"/>
-              </a:rPr>
-              <a:t>ibutter</a:t>
-            </a:r>
-            <a:r>
-              <a:rPr lang="nb-NO" dirty="0">
-                <a:solidFill>
-                  <a:srgbClr val="212529"/>
-                </a:solidFill>
-                <a:latin typeface="-apple-system"/>
-              </a:rPr>
-              <a:t> – Key-</a:t>
-            </a:r>
-            <a:r>
-              <a:rPr lang="nb-NO" dirty="0" err="1">
-                <a:solidFill>
-                  <a:srgbClr val="212529"/>
-                </a:solidFill>
-                <a:latin typeface="-apple-system"/>
-              </a:rPr>
-              <a:t>value</a:t>
-            </a:r>
-            <a:r>
-              <a:rPr lang="nb-NO" dirty="0">
-                <a:solidFill>
-                  <a:srgbClr val="212529"/>
-                </a:solidFill>
-                <a:latin typeface="-apple-system"/>
-              </a:rPr>
-              <a:t> par</a:t>
-            </a:r>
-          </a:p>
-          <a:p>
-            <a:pPr lvl="1"/>
-            <a:r>
-              <a:rPr lang="nb-NO" b="0" i="0" dirty="0" err="1">
-                <a:solidFill>
-                  <a:srgbClr val="212529"/>
-                </a:solidFill>
-                <a:effectLst/>
-                <a:latin typeface="-apple-system"/>
-              </a:rPr>
-              <a:t>Eventer</a:t>
-            </a:r>
-            <a:r>
-              <a:rPr lang="nb-NO" b="0" i="0" dirty="0">
-                <a:solidFill>
-                  <a:srgbClr val="212529"/>
-                </a:solidFill>
-                <a:effectLst/>
-                <a:latin typeface="-apple-system"/>
-              </a:rPr>
-              <a:t> – En slags strukturert log-melding</a:t>
-            </a:r>
-          </a:p>
-          <a:p>
-            <a:pPr lvl="1"/>
-            <a:r>
-              <a:rPr lang="nb-NO" dirty="0">
-                <a:solidFill>
-                  <a:srgbClr val="212529"/>
-                </a:solidFill>
-                <a:latin typeface="-apple-system"/>
-              </a:rPr>
-              <a:t>Span status: Unset, OK, </a:t>
-            </a:r>
-            <a:r>
-              <a:rPr lang="nb-NO" dirty="0" err="1">
-                <a:solidFill>
-                  <a:srgbClr val="212529"/>
-                </a:solidFill>
-                <a:latin typeface="-apple-system"/>
-              </a:rPr>
-              <a:t>Error</a:t>
-            </a:r>
-            <a:endParaRPr lang="nb-NO" dirty="0">
-              <a:solidFill>
-                <a:srgbClr val="212529"/>
-              </a:solidFill>
-              <a:latin typeface="-apple-system"/>
-            </a:endParaRPr>
-          </a:p>
-          <a:p>
-            <a:pPr lvl="1"/>
-            <a:r>
-              <a:rPr lang="en-GB" b="0" i="0" dirty="0">
-                <a:solidFill>
-                  <a:srgbClr val="212529"/>
-                </a:solidFill>
-                <a:effectLst/>
-                <a:latin typeface="-apple-system"/>
-              </a:rPr>
-              <a:t>Span Kind</a:t>
-            </a:r>
-            <a:r>
-              <a:rPr lang="en-GB" dirty="0">
-                <a:solidFill>
-                  <a:srgbClr val="212529"/>
-                </a:solidFill>
-                <a:latin typeface="-apple-system"/>
-              </a:rPr>
-              <a:t>: Client, Server, Internal, Producer, Consumer</a:t>
-            </a:r>
-            <a:endParaRPr lang="en-GB" b="0" i="0" dirty="0">
-              <a:solidFill>
-                <a:srgbClr val="212529"/>
-              </a:solidFill>
-              <a:effectLst/>
-              <a:latin typeface="-apple-system"/>
-            </a:endParaRPr>
+              <a:t>Traces –&gt; Connect </a:t>
+            </a:r>
+            <a:r>
+              <a:rPr lang="nb-NO" dirty="0" err="1"/>
+              <a:t>the</a:t>
+            </a:r>
+            <a:r>
+              <a:rPr lang="nb-NO" dirty="0"/>
+              <a:t> </a:t>
+            </a:r>
+            <a:r>
+              <a:rPr lang="nb-NO" dirty="0" err="1"/>
+              <a:t>components</a:t>
+            </a:r>
+            <a:endParaRPr lang="nb-NO" dirty="0"/>
+          </a:p>
+          <a:p>
+            <a:r>
+              <a:rPr lang="nb-NO" dirty="0" err="1"/>
+              <a:t>Metrics</a:t>
+            </a:r>
+            <a:r>
+              <a:rPr lang="nb-NO" dirty="0"/>
+              <a:t> -&gt; </a:t>
+            </a:r>
+            <a:r>
+              <a:rPr lang="nb-NO" dirty="0" err="1"/>
+              <a:t>Quantify</a:t>
+            </a:r>
+            <a:r>
+              <a:rPr lang="nb-NO" dirty="0"/>
+              <a:t> and show </a:t>
+            </a:r>
+            <a:r>
+              <a:rPr lang="nb-NO" dirty="0" err="1"/>
+              <a:t>statistics</a:t>
+            </a:r>
+            <a:endParaRPr lang="nb-NO" dirty="0"/>
+          </a:p>
+          <a:p>
+            <a:r>
+              <a:rPr lang="nb-NO" dirty="0"/>
+              <a:t>Logs -&gt; Tell a story</a:t>
+            </a:r>
           </a:p>
         </p:txBody>
       </p:sp>
     </p:spTree>
     <p:extLst>
       <p:ext uri="{BB962C8B-B14F-4D97-AF65-F5344CB8AC3E}">
-        <p14:creationId xmlns:p14="http://schemas.microsoft.com/office/powerpoint/2010/main" val="1653118646"/>
+        <p14:creationId xmlns:p14="http://schemas.microsoft.com/office/powerpoint/2010/main" val="1761284807"/>
       </p:ext>
     </p:extLst>
   </p:cSld>
@@ -4160,436 +4511,6 @@
           <p:cNvPr id="2" name="Title 1">
             <a:extLst>
               <a:ext uri="{FF2B5EF4-FFF2-40B4-BE49-F238E27FC236}">
-                <a16:creationId xmlns:a16="http://schemas.microsoft.com/office/drawing/2014/main" id="{AA835C27-2D53-0CAB-BF61-EF6AF1880DF8}"/>
-              </a:ext>
-            </a:extLst>
-          </p:cNvPr>
-          <p:cNvSpPr>
-            <a:spLocks noGrp="1"/>
-          </p:cNvSpPr>
-          <p:nvPr>
-            <p:ph type="title"/>
-          </p:nvPr>
-        </p:nvSpPr>
-        <p:spPr/>
-        <p:txBody>
-          <a:bodyPr/>
-          <a:lstStyle/>
-          <a:p>
-            <a:r>
-              <a:rPr lang="nb-NO" dirty="0" err="1"/>
-              <a:t>Metrics</a:t>
-            </a:r>
-            <a:endParaRPr lang="nb-NO" dirty="0"/>
-          </a:p>
-        </p:txBody>
-      </p:sp>
-      <p:sp>
-        <p:nvSpPr>
-          <p:cNvPr id="3" name="Content Placeholder 2">
-            <a:extLst>
-              <a:ext uri="{FF2B5EF4-FFF2-40B4-BE49-F238E27FC236}">
-                <a16:creationId xmlns:a16="http://schemas.microsoft.com/office/drawing/2014/main" id="{F336DCD5-8EE8-4C3B-ECEA-401001956545}"/>
-              </a:ext>
-            </a:extLst>
-          </p:cNvPr>
-          <p:cNvSpPr>
-            <a:spLocks noGrp="1"/>
-          </p:cNvSpPr>
-          <p:nvPr>
-            <p:ph idx="1"/>
-          </p:nvPr>
-        </p:nvSpPr>
-        <p:spPr/>
-        <p:txBody>
-          <a:bodyPr/>
-          <a:lstStyle/>
-          <a:p>
-            <a:r>
-              <a:rPr lang="nb-NO" dirty="0"/>
-              <a:t>En Måling - Inngår typisk i et </a:t>
-            </a:r>
-            <a:r>
-              <a:rPr lang="nb-NO" dirty="0" err="1"/>
-              <a:t>dashboard</a:t>
-            </a:r>
-            <a:r>
-              <a:rPr lang="nb-NO" dirty="0"/>
-              <a:t> med statistikk</a:t>
-            </a:r>
-          </a:p>
-          <a:p>
-            <a:r>
-              <a:rPr lang="en-GB" b="0" i="0" dirty="0">
-                <a:solidFill>
-                  <a:srgbClr val="212529"/>
-                </a:solidFill>
-                <a:effectLst/>
-                <a:latin typeface="-apple-system"/>
-              </a:rPr>
-              <a:t>Meter Provider</a:t>
-            </a:r>
-            <a:r>
-              <a:rPr lang="nb-NO" b="0" i="0" dirty="0">
-                <a:solidFill>
-                  <a:srgbClr val="212529"/>
-                </a:solidFill>
-                <a:effectLst/>
-                <a:latin typeface="-apple-system"/>
-              </a:rPr>
-              <a:t>  =&gt; Meter =&gt; </a:t>
-            </a:r>
-            <a:r>
-              <a:rPr lang="nb-NO" b="0" i="0" dirty="0" err="1">
-                <a:solidFill>
-                  <a:srgbClr val="212529"/>
-                </a:solidFill>
-                <a:effectLst/>
-                <a:latin typeface="-apple-system"/>
-              </a:rPr>
-              <a:t>M</a:t>
-            </a:r>
-            <a:r>
-              <a:rPr lang="nb-NO" dirty="0" err="1">
-                <a:solidFill>
-                  <a:srgbClr val="212529"/>
-                </a:solidFill>
-                <a:latin typeface="-apple-system"/>
-              </a:rPr>
-              <a:t>etrics</a:t>
-            </a:r>
-            <a:r>
-              <a:rPr lang="nb-NO" dirty="0">
-                <a:solidFill>
-                  <a:srgbClr val="212529"/>
-                </a:solidFill>
-                <a:latin typeface="-apple-system"/>
-              </a:rPr>
-              <a:t> instruments</a:t>
-            </a:r>
-          </a:p>
-          <a:p>
-            <a:pPr lvl="1"/>
-            <a:r>
-              <a:rPr lang="nb-NO" dirty="0">
-                <a:solidFill>
-                  <a:srgbClr val="212529"/>
-                </a:solidFill>
-                <a:latin typeface="-apple-system"/>
-              </a:rPr>
-              <a:t>Counter, </a:t>
-            </a:r>
-            <a:r>
-              <a:rPr lang="nb-NO" dirty="0" err="1">
-                <a:solidFill>
-                  <a:srgbClr val="212529"/>
-                </a:solidFill>
-                <a:latin typeface="-apple-system"/>
-              </a:rPr>
-              <a:t>UpDownCounter</a:t>
-            </a:r>
-            <a:r>
-              <a:rPr lang="nb-NO" dirty="0">
-                <a:solidFill>
-                  <a:srgbClr val="212529"/>
-                </a:solidFill>
-                <a:latin typeface="-apple-system"/>
-              </a:rPr>
-              <a:t>, Gauge (norsk: måler), Histogram</a:t>
-            </a:r>
-          </a:p>
-          <a:p>
-            <a:r>
-              <a:rPr lang="en-GB" b="0" i="0" dirty="0">
-                <a:solidFill>
-                  <a:srgbClr val="212529"/>
-                </a:solidFill>
-                <a:effectLst/>
-                <a:latin typeface="-apple-system"/>
-              </a:rPr>
-              <a:t>Aggregations</a:t>
-            </a:r>
-          </a:p>
-          <a:p>
-            <a:pPr lvl="1"/>
-            <a:r>
-              <a:rPr lang="en-GB" dirty="0" err="1">
-                <a:solidFill>
-                  <a:srgbClr val="212529"/>
-                </a:solidFill>
-                <a:latin typeface="-apple-system"/>
-              </a:rPr>
-              <a:t>Minnebruk</a:t>
-            </a:r>
-            <a:r>
-              <a:rPr lang="en-GB" dirty="0">
-                <a:solidFill>
-                  <a:srgbClr val="212529"/>
-                </a:solidFill>
-                <a:latin typeface="-apple-system"/>
-              </a:rPr>
-              <a:t>, duration </a:t>
-            </a:r>
-            <a:r>
-              <a:rPr lang="en-GB" dirty="0" err="1">
-                <a:solidFill>
-                  <a:srgbClr val="212529"/>
-                </a:solidFill>
-                <a:latin typeface="-apple-system"/>
-              </a:rPr>
-              <a:t>av</a:t>
-            </a:r>
-            <a:r>
-              <a:rPr lang="en-GB" dirty="0">
-                <a:solidFill>
-                  <a:srgbClr val="212529"/>
-                </a:solidFill>
-                <a:latin typeface="-apple-system"/>
-              </a:rPr>
-              <a:t> X, </a:t>
-            </a:r>
-            <a:r>
-              <a:rPr lang="en-GB" dirty="0" err="1">
-                <a:solidFill>
-                  <a:srgbClr val="212529"/>
-                </a:solidFill>
-                <a:latin typeface="-apple-system"/>
-              </a:rPr>
-              <a:t>totalt</a:t>
-            </a:r>
-            <a:r>
-              <a:rPr lang="en-GB" dirty="0">
-                <a:solidFill>
-                  <a:srgbClr val="212529"/>
-                </a:solidFill>
-                <a:latin typeface="-apple-system"/>
-              </a:rPr>
-              <a:t> </a:t>
-            </a:r>
-            <a:r>
-              <a:rPr lang="en-GB" dirty="0" err="1">
-                <a:solidFill>
-                  <a:srgbClr val="212529"/>
-                </a:solidFill>
-                <a:latin typeface="-apple-system"/>
-              </a:rPr>
-              <a:t>antall</a:t>
-            </a:r>
-            <a:r>
-              <a:rPr lang="en-GB" dirty="0">
-                <a:solidFill>
-                  <a:srgbClr val="212529"/>
-                </a:solidFill>
-                <a:latin typeface="-apple-system"/>
-              </a:rPr>
-              <a:t> bytes</a:t>
-            </a:r>
-            <a:endParaRPr lang="en-GB" b="0" i="0" dirty="0">
-              <a:solidFill>
-                <a:srgbClr val="212529"/>
-              </a:solidFill>
-              <a:effectLst/>
-              <a:latin typeface="-apple-system"/>
-            </a:endParaRPr>
-          </a:p>
-        </p:txBody>
-      </p:sp>
-    </p:spTree>
-    <p:extLst>
-      <p:ext uri="{BB962C8B-B14F-4D97-AF65-F5344CB8AC3E}">
-        <p14:creationId xmlns:p14="http://schemas.microsoft.com/office/powerpoint/2010/main" val="14480783"/>
-      </p:ext>
-    </p:extLst>
-  </p:cSld>
-  <p:clrMapOvr>
-    <a:masterClrMapping/>
-  </p:clrMapOvr>
-</p:sld>
-</file>
-
-<file path=ppt/slides/slide7.xml><?xml version="1.0" encoding="utf-8"?>
-<p:sld xmlns:a="http://schemas.openxmlformats.org/drawingml/2006/main" xmlns:r="http://schemas.openxmlformats.org/officeDocument/2006/relationships" xmlns:p="http://schemas.openxmlformats.org/presentationml/2006/main">
-  <p:cSld>
-    <p:spTree>
-      <p:nvGrpSpPr>
-        <p:cNvPr id="1" name=""/>
-        <p:cNvGrpSpPr/>
-        <p:nvPr/>
-      </p:nvGrpSpPr>
-      <p:grpSpPr>
-        <a:xfrm>
-          <a:off x="0" y="0"/>
-          <a:ext cx="0" cy="0"/>
-          <a:chOff x="0" y="0"/>
-          <a:chExt cx="0" cy="0"/>
-        </a:xfrm>
-      </p:grpSpPr>
-      <p:sp>
-        <p:nvSpPr>
-          <p:cNvPr id="2" name="Title 1">
-            <a:extLst>
-              <a:ext uri="{FF2B5EF4-FFF2-40B4-BE49-F238E27FC236}">
-                <a16:creationId xmlns:a16="http://schemas.microsoft.com/office/drawing/2014/main" id="{96AA7014-408A-EEFC-2224-4A6BEAB712C2}"/>
-              </a:ext>
-            </a:extLst>
-          </p:cNvPr>
-          <p:cNvSpPr>
-            <a:spLocks noGrp="1"/>
-          </p:cNvSpPr>
-          <p:nvPr>
-            <p:ph type="title"/>
-          </p:nvPr>
-        </p:nvSpPr>
-        <p:spPr/>
-        <p:txBody>
-          <a:bodyPr/>
-          <a:lstStyle/>
-          <a:p>
-            <a:r>
-              <a:rPr lang="nb-NO" dirty="0"/>
-              <a:t>Logs</a:t>
-            </a:r>
-          </a:p>
-        </p:txBody>
-      </p:sp>
-      <p:sp>
-        <p:nvSpPr>
-          <p:cNvPr id="3" name="Content Placeholder 2">
-            <a:extLst>
-              <a:ext uri="{FF2B5EF4-FFF2-40B4-BE49-F238E27FC236}">
-                <a16:creationId xmlns:a16="http://schemas.microsoft.com/office/drawing/2014/main" id="{344B7191-3439-666F-EFE1-F5C17C489590}"/>
-              </a:ext>
-            </a:extLst>
-          </p:cNvPr>
-          <p:cNvSpPr>
-            <a:spLocks noGrp="1"/>
-          </p:cNvSpPr>
-          <p:nvPr>
-            <p:ph idx="1"/>
-          </p:nvPr>
-        </p:nvSpPr>
-        <p:spPr/>
-        <p:txBody>
-          <a:bodyPr/>
-          <a:lstStyle/>
-          <a:p>
-            <a:r>
-              <a:rPr lang="en-GB" b="0" i="0" dirty="0">
-                <a:solidFill>
-                  <a:srgbClr val="212529"/>
-                </a:solidFill>
-                <a:effectLst/>
-                <a:latin typeface="-apple-system"/>
-              </a:rPr>
-              <a:t>A </a:t>
-            </a:r>
-            <a:r>
-              <a:rPr lang="en-GB" b="1" i="0" dirty="0">
-                <a:solidFill>
-                  <a:srgbClr val="212529"/>
-                </a:solidFill>
-                <a:effectLst/>
-                <a:latin typeface="-apple-system"/>
-              </a:rPr>
-              <a:t>log</a:t>
-            </a:r>
-            <a:r>
-              <a:rPr lang="en-GB" b="0" i="0" dirty="0">
-                <a:solidFill>
-                  <a:srgbClr val="212529"/>
-                </a:solidFill>
-                <a:effectLst/>
-                <a:latin typeface="-apple-system"/>
-              </a:rPr>
-              <a:t> is a timestamped text record, either structured (recommended) or unstructured, with metadata</a:t>
-            </a:r>
-          </a:p>
-          <a:p>
-            <a:r>
-              <a:rPr lang="en-GB" b="0" i="0" dirty="0">
-                <a:solidFill>
-                  <a:srgbClr val="212529"/>
-                </a:solidFill>
-                <a:effectLst/>
-                <a:latin typeface="-apple-system"/>
-              </a:rPr>
-              <a:t>Logger Provider</a:t>
-            </a:r>
-            <a:r>
-              <a:rPr lang="en-GB" dirty="0">
-                <a:solidFill>
-                  <a:srgbClr val="212529"/>
-                </a:solidFill>
-                <a:latin typeface="-apple-system"/>
-              </a:rPr>
-              <a:t> =&gt; Logger =&gt; Records</a:t>
-            </a:r>
-          </a:p>
-          <a:p>
-            <a:r>
-              <a:rPr lang="en-GB" b="0" i="0" dirty="0" err="1">
-                <a:solidFill>
-                  <a:srgbClr val="212529"/>
-                </a:solidFill>
-                <a:effectLst/>
-                <a:latin typeface="-apple-system"/>
-              </a:rPr>
-              <a:t>Fordel</a:t>
-            </a:r>
-            <a:r>
-              <a:rPr lang="en-GB" dirty="0">
-                <a:solidFill>
-                  <a:srgbClr val="212529"/>
-                </a:solidFill>
-                <a:latin typeface="-apple-system"/>
-              </a:rPr>
-              <a:t> med Open Telemetry: Context</a:t>
-            </a:r>
-            <a:endParaRPr lang="en-GB" b="0" i="0" dirty="0">
-              <a:solidFill>
-                <a:srgbClr val="212529"/>
-              </a:solidFill>
-              <a:effectLst/>
-              <a:latin typeface="-apple-system"/>
-            </a:endParaRPr>
-          </a:p>
-        </p:txBody>
-      </p:sp>
-    </p:spTree>
-    <p:extLst>
-      <p:ext uri="{BB962C8B-B14F-4D97-AF65-F5344CB8AC3E}">
-        <p14:creationId xmlns:p14="http://schemas.microsoft.com/office/powerpoint/2010/main" val="2372695517"/>
-      </p:ext>
-    </p:extLst>
-  </p:cSld>
-  <p:clrMapOvr>
-    <a:masterClrMapping/>
-  </p:clrMapOvr>
-</p:sld>
-</file>
-
-<file path=ppt/slides/slide8.xml><?xml version="1.0" encoding="utf-8"?>
-<p:sld xmlns:a="http://schemas.openxmlformats.org/drawingml/2006/main" xmlns:r="http://schemas.openxmlformats.org/officeDocument/2006/relationships" xmlns:p="http://schemas.openxmlformats.org/presentationml/2006/main">
-  <p:cSld>
-    <p:spTree>
-      <p:nvGrpSpPr>
-        <p:cNvPr id="1" name=""/>
-        <p:cNvGrpSpPr/>
-        <p:nvPr/>
-      </p:nvGrpSpPr>
-      <p:grpSpPr>
-        <a:xfrm>
-          <a:off x="0" y="0"/>
-          <a:ext cx="0" cy="0"/>
-          <a:chOff x="0" y="0"/>
-          <a:chExt cx="0" cy="0"/>
-        </a:xfrm>
-      </p:grpSpPr>
-      <p:sp>
-        <p:nvSpPr>
-          <p:cNvPr id="2" name="Title 1">
-            <a:extLst>
-              <a:ext uri="{FF2B5EF4-FFF2-40B4-BE49-F238E27FC236}">
                 <a16:creationId xmlns:a16="http://schemas.microsoft.com/office/drawing/2014/main" id="{C55E4364-7CAA-93C1-7155-26C30EF0811C}"/>
               </a:ext>
             </a:extLst>
@@ -4647,179 +4568,38 @@
               <a:rPr lang="nb-NO" dirty="0">
                 <a:hlinkClick r:id="rId3"/>
               </a:rPr>
-              <a:t>https://github.com/kloktig/opentelemetry-workshop</a:t>
-            </a:r>
-            <a:endParaRPr lang="nb-NO" dirty="0"/>
-          </a:p>
-          <a:p>
+              <a:t>https://github.com/rogerhmar</a:t>
+            </a:r>
+            <a:r>
+              <a:rPr lang="nb-NO">
+                <a:hlinkClick r:id="rId3"/>
+              </a:rPr>
+              <a:t>/OTEL-NDC-2024</a:t>
+            </a:r>
+            <a:endParaRPr lang="nb-NO"/>
+          </a:p>
+          <a:p>
+            <a:r>
+              <a:rPr lang="nb-NO">
+                <a:hlinkClick r:id="rId4"/>
+              </a:rPr>
+              <a:t>https</a:t>
+            </a:r>
             <a:r>
               <a:rPr lang="nb-NO" dirty="0">
                 <a:hlinkClick r:id="rId4"/>
               </a:rPr>
-              <a:t>https://devblogs.microsoft.com/dotnet/azure-monitor-opentelemetry-distro/</a:t>
+              <a:t>://devblogs.microsoft.com/dotnet/azure-monitor-opentelemetry-distro/</a:t>
             </a:r>
             <a:endParaRPr lang="nb-NO" dirty="0"/>
           </a:p>
           <a:p>
-            <a:pPr lvl="1"/>
-            <a:r>
-              <a:rPr lang="nb-NO" dirty="0"/>
-              <a:t>Our goal is to make </a:t>
-            </a:r>
-            <a:r>
-              <a:rPr lang="nb-NO" dirty="0" err="1"/>
-              <a:t>Azure</a:t>
-            </a:r>
-            <a:r>
-              <a:rPr lang="nb-NO" dirty="0"/>
-              <a:t> </a:t>
-            </a:r>
-            <a:r>
-              <a:rPr lang="nb-NO" dirty="0" err="1"/>
-              <a:t>the</a:t>
-            </a:r>
-            <a:r>
-              <a:rPr lang="nb-NO" dirty="0"/>
-              <a:t> most </a:t>
-            </a:r>
-            <a:r>
-              <a:rPr lang="nb-NO" dirty="0" err="1"/>
-              <a:t>observable</a:t>
-            </a:r>
-            <a:r>
-              <a:rPr lang="nb-NO" dirty="0"/>
-              <a:t> </a:t>
-            </a:r>
-            <a:r>
-              <a:rPr lang="nb-NO" dirty="0" err="1"/>
-              <a:t>cloud</a:t>
-            </a:r>
-            <a:r>
-              <a:rPr lang="nb-NO" dirty="0"/>
-              <a:t>. To </a:t>
-            </a:r>
-            <a:r>
-              <a:rPr lang="nb-NO" dirty="0" err="1"/>
-              <a:t>that</a:t>
-            </a:r>
-            <a:r>
-              <a:rPr lang="nb-NO" dirty="0"/>
-              <a:t> end, </a:t>
-            </a:r>
-            <a:r>
-              <a:rPr lang="nb-NO" b="1" dirty="0" err="1"/>
-              <a:t>we</a:t>
-            </a:r>
-            <a:r>
-              <a:rPr lang="nb-NO" b="1" dirty="0"/>
-              <a:t> </a:t>
-            </a:r>
-            <a:r>
-              <a:rPr lang="nb-NO" b="1" dirty="0" err="1"/>
-              <a:t>are</a:t>
-            </a:r>
-            <a:r>
-              <a:rPr lang="nb-NO" b="1" dirty="0"/>
-              <a:t> </a:t>
-            </a:r>
-            <a:r>
-              <a:rPr lang="nb-NO" b="1" dirty="0" err="1"/>
-              <a:t>refactoring</a:t>
-            </a:r>
-            <a:r>
-              <a:rPr lang="nb-NO" b="1" dirty="0"/>
-              <a:t> </a:t>
-            </a:r>
-            <a:r>
-              <a:rPr lang="nb-NO" b="1" dirty="0" err="1"/>
-              <a:t>Azure’s</a:t>
-            </a:r>
-            <a:r>
-              <a:rPr lang="nb-NO" b="1" dirty="0"/>
-              <a:t> native </a:t>
-            </a:r>
-            <a:r>
-              <a:rPr lang="nb-NO" b="1" dirty="0" err="1"/>
-              <a:t>observability</a:t>
-            </a:r>
-            <a:r>
-              <a:rPr lang="nb-NO" b="1" dirty="0"/>
-              <a:t> </a:t>
-            </a:r>
-            <a:r>
-              <a:rPr lang="nb-NO" b="1" dirty="0" err="1"/>
-              <a:t>platform</a:t>
-            </a:r>
-            <a:r>
-              <a:rPr lang="nb-NO" b="1" dirty="0"/>
-              <a:t> to be </a:t>
-            </a:r>
-            <a:r>
-              <a:rPr lang="nb-NO" b="1" dirty="0" err="1"/>
-              <a:t>based</a:t>
-            </a:r>
-            <a:r>
-              <a:rPr lang="nb-NO" b="1" dirty="0"/>
-              <a:t> </a:t>
-            </a:r>
-            <a:r>
-              <a:rPr lang="nb-NO" b="1" dirty="0" err="1"/>
-              <a:t>on</a:t>
-            </a:r>
-            <a:r>
-              <a:rPr lang="nb-NO" b="1" dirty="0"/>
-              <a:t> </a:t>
-            </a:r>
-            <a:r>
-              <a:rPr lang="nb-NO" b="1" dirty="0" err="1"/>
-              <a:t>OpenTelemetry</a:t>
-            </a:r>
-            <a:r>
-              <a:rPr lang="nb-NO" dirty="0"/>
-              <a:t>, an </a:t>
-            </a:r>
-            <a:r>
-              <a:rPr lang="nb-NO" dirty="0" err="1"/>
-              <a:t>industry</a:t>
-            </a:r>
-            <a:r>
-              <a:rPr lang="nb-NO" dirty="0"/>
-              <a:t> standard for </a:t>
-            </a:r>
-            <a:r>
-              <a:rPr lang="nb-NO" dirty="0" err="1"/>
-              <a:t>instrumenting</a:t>
-            </a:r>
-            <a:r>
-              <a:rPr lang="nb-NO" dirty="0"/>
-              <a:t> </a:t>
-            </a:r>
-            <a:r>
-              <a:rPr lang="nb-NO" dirty="0" err="1"/>
-              <a:t>applications</a:t>
-            </a:r>
-            <a:r>
-              <a:rPr lang="nb-NO" dirty="0"/>
-              <a:t> and </a:t>
-            </a:r>
-            <a:r>
-              <a:rPr lang="nb-NO" dirty="0" err="1"/>
-              <a:t>transmitting</a:t>
-            </a:r>
-            <a:r>
-              <a:rPr lang="nb-NO" dirty="0"/>
-              <a:t> </a:t>
-            </a:r>
-            <a:r>
-              <a:rPr lang="nb-NO" dirty="0" err="1"/>
-              <a:t>telemetry</a:t>
-            </a:r>
-            <a:r>
-              <a:rPr lang="nb-NO" dirty="0"/>
-              <a:t>.</a:t>
-            </a:r>
-          </a:p>
-          <a:p>
+            <a:r>
+              <a:rPr lang="nb-NO" dirty="0">
+                <a:hlinkClick r:id="rId5"/>
+              </a:rPr>
+              <a:t>https://learn.microsoft.com/en-us/azure/azure-monitor/app/opentelemetry-configuration?tabs=aspnetcore#why-is-microsoft-azure-monitor-investing-in-opentelemetry</a:t>
+            </a:r>
             <a:endParaRPr lang="nb-NO" dirty="0"/>
           </a:p>
           <a:p>
@@ -5133,4 +4913,319 @@
     </a:ext>
   </a:extLst>
 </a:theme>
+</file>
+
+<file path=ppt/theme/theme2.xml><?xml version="1.0" encoding="utf-8"?>
+<a:theme xmlns:a="http://schemas.openxmlformats.org/drawingml/2006/main" name="Office Theme">
+  <a:themeElements>
+    <a:clrScheme name="Office">
+      <a:dk1>
+        <a:sysClr val="windowText" lastClr="000000"/>
+      </a:dk1>
+      <a:lt1>
+        <a:sysClr val="window" lastClr="FFFFFF"/>
+      </a:lt1>
+      <a:dk2>
+        <a:srgbClr val="0E2841"/>
+      </a:dk2>
+      <a:lt2>
+        <a:srgbClr val="E8E8E8"/>
+      </a:lt2>
+      <a:accent1>
+        <a:srgbClr val="156082"/>
+      </a:accent1>
+      <a:accent2>
+        <a:srgbClr val="E97132"/>
+      </a:accent2>
+      <a:accent3>
+        <a:srgbClr val="196B24"/>
+      </a:accent3>
+      <a:accent4>
+        <a:srgbClr val="0F9ED5"/>
+      </a:accent4>
+      <a:accent5>
+        <a:srgbClr val="A02B93"/>
+      </a:accent5>
+      <a:accent6>
+        <a:srgbClr val="4EA72E"/>
+      </a:accent6>
+      <a:hlink>
+        <a:srgbClr val="467886"/>
+      </a:hlink>
+      <a:folHlink>
+        <a:srgbClr val="96607D"/>
+      </a:folHlink>
+    </a:clrScheme>
+    <a:fontScheme name="Office">
+      <a:majorFont>
+        <a:latin typeface="Aptos Display" panose="02110004020202020204"/>
+        <a:ea typeface=""/>
+        <a:cs typeface=""/>
+        <a:font script="Jpan" typeface="游ゴシック Light"/>
+        <a:font script="Hang" typeface="맑은 고딕"/>
+        <a:font script="Hans" typeface="等线 Light"/>
+        <a:font script="Hant" typeface="新細明體"/>
+        <a:font script="Arab" typeface="Times New Roman"/>
+        <a:font script="Hebr" typeface="Times New Roman"/>
+        <a:font script="Thai" typeface="Angsana New"/>
+        <a:font script="Ethi" typeface="Nyala"/>
+        <a:font script="Beng" typeface="Vrinda"/>
+        <a:font script="Gujr" typeface="Shruti"/>
+        <a:font script="Khmr" typeface="MoolBoran"/>
+        <a:font script="Knda" typeface="Tunga"/>
+        <a:font script="Guru" typeface="Raavi"/>
+        <a:font script="Cans" typeface="Euphemia"/>
+        <a:font script="Cher" typeface="Plantagenet Cherokee"/>
+        <a:font script="Yiii" typeface="Microsoft Yi Baiti"/>
+        <a:font script="Tibt" typeface="Microsoft Himalaya"/>
+        <a:font script="Thaa" typeface="MV Boli"/>
+        <a:font script="Deva" typeface="Mangal"/>
+        <a:font script="Telu" typeface="Gautami"/>
+        <a:font script="Taml" typeface="Latha"/>
+        <a:font script="Syrc" typeface="Estrangelo Edessa"/>
+        <a:font script="Orya" typeface="Kalinga"/>
+        <a:font script="Mlym" typeface="Kartika"/>
+        <a:font script="Laoo" typeface="DokChampa"/>
+        <a:font script="Sinh" typeface="Iskoola Pota"/>
+        <a:font script="Mong" typeface="Mongolian Baiti"/>
+        <a:font script="Viet" typeface="Times New Roman"/>
+        <a:font script="Uigh" typeface="Microsoft Uighur"/>
+        <a:font script="Geor" typeface="Sylfaen"/>
+        <a:font script="Armn" typeface="Arial"/>
+        <a:font script="Bugi" typeface="Leelawadee UI"/>
+        <a:font script="Bopo" typeface="Microsoft JhengHei"/>
+        <a:font script="Java" typeface="Javanese Text"/>
+        <a:font script="Lisu" typeface="Segoe UI"/>
+        <a:font script="Mymr" typeface="Myanmar Text"/>
+        <a:font script="Nkoo" typeface="Ebrima"/>
+        <a:font script="Olck" typeface="Nirmala UI"/>
+        <a:font script="Osma" typeface="Ebrima"/>
+        <a:font script="Phag" typeface="Phagspa"/>
+        <a:font script="Syrn" typeface="Estrangelo Edessa"/>
+        <a:font script="Syrj" typeface="Estrangelo Edessa"/>
+        <a:font script="Syre" typeface="Estrangelo Edessa"/>
+        <a:font script="Sora" typeface="Nirmala UI"/>
+        <a:font script="Tale" typeface="Microsoft Tai Le"/>
+        <a:font script="Talu" typeface="Microsoft New Tai Lue"/>
+        <a:font script="Tfng" typeface="Ebrima"/>
+      </a:majorFont>
+      <a:minorFont>
+        <a:latin typeface="Aptos" panose="02110004020202020204"/>
+        <a:ea typeface=""/>
+        <a:cs typeface=""/>
+        <a:font script="Jpan" typeface="游ゴシック"/>
+        <a:font script="Hang" typeface="맑은 고딕"/>
+        <a:font script="Hans" typeface="等线"/>
+        <a:font script="Hant" typeface="新細明體"/>
+        <a:font script="Arab" typeface="Arial"/>
+        <a:font script="Hebr" typeface="Arial"/>
+        <a:font script="Thai" typeface="Cordia New"/>
+        <a:font script="Ethi" typeface="Nyala"/>
+        <a:font script="Beng" typeface="Vrinda"/>
+        <a:font script="Gujr" typeface="Shruti"/>
+        <a:font script="Khmr" typeface="DaunPenh"/>
+        <a:font script="Knda" typeface="Tunga"/>
+        <a:font script="Guru" typeface="Raavi"/>
+        <a:font script="Cans" typeface="Euphemia"/>
+        <a:font script="Cher" typeface="Plantagenet Cherokee"/>
+        <a:font script="Yiii" typeface="Microsoft Yi Baiti"/>
+        <a:font script="Tibt" typeface="Microsoft Himalaya"/>
+        <a:font script="Thaa" typeface="MV Boli"/>
+        <a:font script="Deva" typeface="Mangal"/>
+        <a:font script="Telu" typeface="Gautami"/>
+        <a:font script="Taml" typeface="Latha"/>
+        <a:font script="Syrc" typeface="Estrangelo Edessa"/>
+        <a:font script="Orya" typeface="Kalinga"/>
+        <a:font script="Mlym" typeface="Kartika"/>
+        <a:font script="Laoo" typeface="DokChampa"/>
+        <a:font script="Sinh" typeface="Iskoola Pota"/>
+        <a:font script="Mong" typeface="Mongolian Baiti"/>
+        <a:font script="Viet" typeface="Arial"/>
+        <a:font script="Uigh" typeface="Microsoft Uighur"/>
+        <a:font script="Geor" typeface="Sylfaen"/>
+        <a:font script="Armn" typeface="Arial"/>
+        <a:font script="Bugi" typeface="Leelawadee UI"/>
+        <a:font script="Bopo" typeface="Microsoft JhengHei"/>
+        <a:font script="Java" typeface="Javanese Text"/>
+        <a:font script="Lisu" typeface="Segoe UI"/>
+        <a:font script="Mymr" typeface="Myanmar Text"/>
+        <a:font script="Nkoo" typeface="Ebrima"/>
+        <a:font script="Olck" typeface="Nirmala UI"/>
+        <a:font script="Osma" typeface="Ebrima"/>
+        <a:font script="Phag" typeface="Phagspa"/>
+        <a:font script="Syrn" typeface="Estrangelo Edessa"/>
+        <a:font script="Syrj" typeface="Estrangelo Edessa"/>
+        <a:font script="Syre" typeface="Estrangelo Edessa"/>
+        <a:font script="Sora" typeface="Nirmala UI"/>
+        <a:font script="Tale" typeface="Microsoft Tai Le"/>
+        <a:font script="Talu" typeface="Microsoft New Tai Lue"/>
+        <a:font script="Tfng" typeface="Ebrima"/>
+      </a:minorFont>
+    </a:fontScheme>
+    <a:fmtScheme name="Office">
+      <a:fillStyleLst>
+        <a:solidFill>
+          <a:schemeClr val="phClr"/>
+        </a:solidFill>
+        <a:gradFill rotWithShape="1">
+          <a:gsLst>
+            <a:gs pos="0">
+              <a:schemeClr val="phClr">
+                <a:lumMod val="110000"/>
+                <a:satMod val="105000"/>
+                <a:tint val="67000"/>
+              </a:schemeClr>
+            </a:gs>
+            <a:gs pos="50000">
+              <a:schemeClr val="phClr">
+                <a:lumMod val="105000"/>
+                <a:satMod val="103000"/>
+                <a:tint val="73000"/>
+              </a:schemeClr>
+            </a:gs>
+            <a:gs pos="100000">
+              <a:schemeClr val="phClr">
+                <a:lumMod val="105000"/>
+                <a:satMod val="109000"/>
+                <a:tint val="81000"/>
+              </a:schemeClr>
+            </a:gs>
+          </a:gsLst>
+          <a:lin ang="5400000" scaled="0"/>
+        </a:gradFill>
+        <a:gradFill rotWithShape="1">
+          <a:gsLst>
+            <a:gs pos="0">
+              <a:schemeClr val="phClr">
+                <a:satMod val="103000"/>
+                <a:lumMod val="102000"/>
+                <a:tint val="94000"/>
+              </a:schemeClr>
+            </a:gs>
+            <a:gs pos="50000">
+              <a:schemeClr val="phClr">
+                <a:satMod val="110000"/>
+                <a:lumMod val="100000"/>
+                <a:shade val="100000"/>
+              </a:schemeClr>
+            </a:gs>
+            <a:gs pos="100000">
+              <a:schemeClr val="phClr">
+                <a:lumMod val="99000"/>
+                <a:satMod val="120000"/>
+                <a:shade val="78000"/>
+              </a:schemeClr>
+            </a:gs>
+          </a:gsLst>
+          <a:lin ang="5400000" scaled="0"/>
+        </a:gradFill>
+      </a:fillStyleLst>
+      <a:lnStyleLst>
+        <a:ln w="12700" cap="flat" cmpd="sng" algn="ctr">
+          <a:solidFill>
+            <a:schemeClr val="phClr"/>
+          </a:solidFill>
+          <a:prstDash val="solid"/>
+          <a:miter lim="800000"/>
+        </a:ln>
+        <a:ln w="19050" cap="flat" cmpd="sng" algn="ctr">
+          <a:solidFill>
+            <a:schemeClr val="phClr"/>
+          </a:solidFill>
+          <a:prstDash val="solid"/>
+          <a:miter lim="800000"/>
+        </a:ln>
+        <a:ln w="25400" cap="flat" cmpd="sng" algn="ctr">
+          <a:solidFill>
+            <a:schemeClr val="phClr"/>
+          </a:solidFill>
+          <a:prstDash val="solid"/>
+          <a:miter lim="800000"/>
+        </a:ln>
+      </a:lnStyleLst>
+      <a:effectStyleLst>
+        <a:effectStyle>
+          <a:effectLst/>
+        </a:effectStyle>
+        <a:effectStyle>
+          <a:effectLst/>
+        </a:effectStyle>
+        <a:effectStyle>
+          <a:effectLst>
+            <a:outerShdw blurRad="57150" dist="19050" dir="5400000" algn="ctr" rotWithShape="0">
+              <a:srgbClr val="000000">
+                <a:alpha val="63000"/>
+              </a:srgbClr>
+            </a:outerShdw>
+          </a:effectLst>
+        </a:effectStyle>
+      </a:effectStyleLst>
+      <a:bgFillStyleLst>
+        <a:solidFill>
+          <a:schemeClr val="phClr"/>
+        </a:solidFill>
+        <a:solidFill>
+          <a:schemeClr val="phClr">
+            <a:tint val="95000"/>
+            <a:satMod val="170000"/>
+          </a:schemeClr>
+        </a:solidFill>
+        <a:gradFill rotWithShape="1">
+          <a:gsLst>
+            <a:gs pos="0">
+              <a:schemeClr val="phClr">
+                <a:tint val="93000"/>
+                <a:satMod val="150000"/>
+                <a:shade val="98000"/>
+                <a:lumMod val="102000"/>
+              </a:schemeClr>
+            </a:gs>
+            <a:gs pos="50000">
+              <a:schemeClr val="phClr">
+                <a:tint val="98000"/>
+                <a:satMod val="130000"/>
+                <a:shade val="90000"/>
+                <a:lumMod val="103000"/>
+              </a:schemeClr>
+            </a:gs>
+            <a:gs pos="100000">
+              <a:schemeClr val="phClr">
+                <a:shade val="63000"/>
+                <a:satMod val="120000"/>
+              </a:schemeClr>
+            </a:gs>
+          </a:gsLst>
+          <a:lin ang="5400000" scaled="0"/>
+        </a:gradFill>
+      </a:bgFillStyleLst>
+    </a:fmtScheme>
+  </a:themeElements>
+  <a:objectDefaults>
+    <a:lnDef>
+      <a:spPr/>
+      <a:bodyPr/>
+      <a:lstStyle/>
+      <a:style>
+        <a:lnRef idx="2">
+          <a:schemeClr val="accent1"/>
+        </a:lnRef>
+        <a:fillRef idx="0">
+          <a:schemeClr val="accent1"/>
+        </a:fillRef>
+        <a:effectRef idx="1">
+          <a:schemeClr val="accent1"/>
+        </a:effectRef>
+        <a:fontRef idx="minor">
+          <a:schemeClr val="tx1"/>
+        </a:fontRef>
+      </a:style>
+    </a:lnDef>
+  </a:objectDefaults>
+  <a:extraClrSchemeLst/>
+  <a:extLst>
+    <a:ext uri="{05A4C25C-085E-4340-85A3-A5531E510DB2}">
+      <thm15:themeFamily xmlns:thm15="http://schemas.microsoft.com/office/thememl/2012/main" name="Office Theme" id="{2E142A2C-CD16-42D6-873A-C26D2A0506FA}" vid="{1BDDFF52-6CD6-40A5-AB3C-68EB2F1E4D0A}"/>
+    </a:ext>
+  </a:extLst>
+</a:theme>
 </file>
--- a/observerbarhet.pptx
+++ b/observerbarhet.pptx
@@ -5,15 +5,16 @@
     <p:sldMasterId id="2147483648" r:id="rId1"/>
   </p:sldMasterIdLst>
   <p:notesMasterIdLst>
-    <p:notesMasterId r:id="rId8"/>
+    <p:notesMasterId r:id="rId9"/>
   </p:notesMasterIdLst>
   <p:sldIdLst>
     <p:sldId id="256" r:id="rId2"/>
     <p:sldId id="262" r:id="rId3"/>
     <p:sldId id="263" r:id="rId4"/>
     <p:sldId id="264" r:id="rId5"/>
-    <p:sldId id="258" r:id="rId6"/>
-    <p:sldId id="257" r:id="rId7"/>
+    <p:sldId id="265" r:id="rId6"/>
+    <p:sldId id="258" r:id="rId7"/>
+    <p:sldId id="257" r:id="rId8"/>
   </p:sldIdLst>
   <p:sldSz cx="12192000" cy="6858000"/>
   <p:notesSz cx="6858000" cy="9144000"/>
@@ -4378,6 +4379,65 @@
           <a:chExt cx="0" cy="0"/>
         </a:xfrm>
       </p:grpSpPr>
+      <p:pic>
+        <p:nvPicPr>
+          <p:cNvPr id="5" name="Content Placeholder 4" descr="A screenshot of a computer&#10;&#10;Description automatically generated">
+            <a:extLst>
+              <a:ext uri="{FF2B5EF4-FFF2-40B4-BE49-F238E27FC236}">
+                <a16:creationId xmlns:a16="http://schemas.microsoft.com/office/drawing/2014/main" id="{5F94B2CF-5ACC-8FD7-31AC-E97D51B6C432}"/>
+              </a:ext>
+            </a:extLst>
+          </p:cNvPr>
+          <p:cNvPicPr>
+            <a:picLocks noGrp="1" noChangeAspect="1"/>
+          </p:cNvPicPr>
+          <p:nvPr>
+            <p:ph idx="1"/>
+          </p:nvPr>
+        </p:nvPicPr>
+        <p:blipFill>
+          <a:blip r:embed="rId2"/>
+          <a:stretch>
+            <a:fillRect/>
+          </a:stretch>
+        </p:blipFill>
+        <p:spPr>
+          <a:xfrm>
+            <a:off x="1046144" y="457200"/>
+            <a:ext cx="10099712" cy="5336704"/>
+          </a:xfrm>
+        </p:spPr>
+      </p:pic>
+    </p:spTree>
+    <p:extLst>
+      <p:ext uri="{BB962C8B-B14F-4D97-AF65-F5344CB8AC3E}">
+        <p14:creationId xmlns:p14="http://schemas.microsoft.com/office/powerpoint/2010/main" val="1352849483"/>
+      </p:ext>
+    </p:extLst>
+  </p:cSld>
+  <p:clrMapOvr>
+    <a:masterClrMapping/>
+  </p:clrMapOvr>
+</p:sld>
+</file>
+
+<file path=ppt/slides/slide6.xml><?xml version="1.0" encoding="utf-8"?>
+<p:sld xmlns:a="http://schemas.openxmlformats.org/drawingml/2006/main" xmlns:r="http://schemas.openxmlformats.org/officeDocument/2006/relationships" xmlns:p="http://schemas.openxmlformats.org/presentationml/2006/main">
+  <p:cSld>
+    <p:spTree>
+      <p:nvGrpSpPr>
+        <p:cNvPr id="1" name=""/>
+        <p:cNvGrpSpPr/>
+        <p:nvPr/>
+      </p:nvGrpSpPr>
+      <p:grpSpPr>
+        <a:xfrm>
+          <a:off x="0" y="0"/>
+          <a:ext cx="0" cy="0"/>
+          <a:chOff x="0" y="0"/>
+          <a:chExt cx="0" cy="0"/>
+        </a:xfrm>
+      </p:grpSpPr>
       <p:sp>
         <p:nvSpPr>
           <p:cNvPr id="2" name="Title 1">
@@ -4489,7 +4549,7 @@
 </p:sld>
 </file>
 
-<file path=ppt/slides/slide6.xml><?xml version="1.0" encoding="utf-8"?>
+<file path=ppt/slides/slide7.xml><?xml version="1.0" encoding="utf-8"?>
 <p:sld xmlns:a="http://schemas.openxmlformats.org/drawingml/2006/main" xmlns:r="http://schemas.openxmlformats.org/officeDocument/2006/relationships" xmlns:p="http://schemas.openxmlformats.org/presentationml/2006/main">
   <p:cSld>
     <p:spTree>
